--- a/Arduino/TP_Arduino.pptx
+++ b/Arduino/TP_Arduino.pptx
@@ -5,10 +5,10 @@
     <p:sldMasterId id="2147483672" r:id="rId1"/>
   </p:sldMasterIdLst>
   <p:notesMasterIdLst>
-    <p:notesMasterId r:id="rId21"/>
+    <p:notesMasterId r:id="rId20"/>
   </p:notesMasterIdLst>
   <p:handoutMasterIdLst>
-    <p:handoutMasterId r:id="rId22"/>
+    <p:handoutMasterId r:id="rId21"/>
   </p:handoutMasterIdLst>
   <p:sldIdLst>
     <p:sldId id="256" r:id="rId2"/>
@@ -21,15 +21,14 @@
     <p:sldId id="261" r:id="rId9"/>
     <p:sldId id="266" r:id="rId10"/>
     <p:sldId id="260" r:id="rId11"/>
-    <p:sldId id="267" r:id="rId12"/>
-    <p:sldId id="268" r:id="rId13"/>
-    <p:sldId id="269" r:id="rId14"/>
-    <p:sldId id="271" r:id="rId15"/>
-    <p:sldId id="270" r:id="rId16"/>
-    <p:sldId id="272" r:id="rId17"/>
-    <p:sldId id="273" r:id="rId18"/>
-    <p:sldId id="274" r:id="rId19"/>
-    <p:sldId id="275" r:id="rId20"/>
+    <p:sldId id="270" r:id="rId12"/>
+    <p:sldId id="269" r:id="rId13"/>
+    <p:sldId id="271" r:id="rId14"/>
+    <p:sldId id="273" r:id="rId15"/>
+    <p:sldId id="276" r:id="rId16"/>
+    <p:sldId id="277" r:id="rId17"/>
+    <p:sldId id="274" r:id="rId18"/>
+    <p:sldId id="275" r:id="rId19"/>
   </p:sldIdLst>
   <p:sldSz cx="9144000" cy="6858000" type="screen4x3"/>
   <p:notesSz cx="7099300" cy="10234613"/>
@@ -5085,7 +5084,7 @@
           <a:p>
             <a:fld id="{0063AF53-F080-4EED-89A2-71072976191D}" type="datetimeFigureOut">
               <a:rPr lang="fr-FR" smtClean="0"/>
-              <a:t>26/01/2015</a:t>
+              <a:t>27/01/2015</a:t>
             </a:fld>
             <a:endParaRPr lang="fr-FR"/>
           </a:p>
@@ -5251,7 +5250,7 @@
             <a:fld id="{408F55C5-7F94-4427-AC6E-B68A66649CA8}" type="datetimeFigureOut">
               <a:rPr lang="fr-FR" smtClean="0"/>
               <a:pPr/>
-              <a:t>26/01/2015</a:t>
+              <a:t>27/01/2015</a:t>
             </a:fld>
             <a:endParaRPr lang="fr-FR"/>
           </a:p>
@@ -5657,7 +5656,7 @@
           <a:p>
             <a:fld id="{9D56727F-6563-47CD-B250-CBA7B4B4FBDE}" type="datetime1">
               <a:rPr lang="fr-FR" smtClean="0"/>
-              <a:t>26/01/2015</a:t>
+              <a:t>27/01/2015</a:t>
             </a:fld>
             <a:endParaRPr lang="fr-BE"/>
           </a:p>
@@ -6531,7 +6530,7 @@
           <a:p>
             <a:fld id="{19ABCAB6-D49B-46FD-870F-99E10975C18F}" type="datetime1">
               <a:rPr lang="fr-FR" smtClean="0"/>
-              <a:t>26/01/2015</a:t>
+              <a:t>27/01/2015</a:t>
             </a:fld>
             <a:endParaRPr lang="fr-BE"/>
           </a:p>
@@ -6711,7 +6710,7 @@
           <a:p>
             <a:fld id="{DEEDBEA9-D968-4EC1-A19A-1F76B691A58C}" type="datetime1">
               <a:rPr lang="fr-FR" smtClean="0"/>
-              <a:t>26/01/2015</a:t>
+              <a:t>27/01/2015</a:t>
             </a:fld>
             <a:endParaRPr lang="fr-BE"/>
           </a:p>
@@ -6886,7 +6885,7 @@
           <a:p>
             <a:fld id="{9FC95688-4DB0-4F51-94A9-29BA89D545B3}" type="datetime1">
               <a:rPr lang="fr-FR" smtClean="0"/>
-              <a:t>26/01/2015</a:t>
+              <a:t>27/01/2015</a:t>
             </a:fld>
             <a:endParaRPr lang="fr-BE"/>
           </a:p>
@@ -7108,7 +7107,7 @@
           <a:p>
             <a:fld id="{20848678-D788-46FE-B700-C9269C74C891}" type="datetime1">
               <a:rPr lang="fr-FR" smtClean="0"/>
-              <a:t>26/01/2015</a:t>
+              <a:t>27/01/2015</a:t>
             </a:fld>
             <a:endParaRPr lang="fr-BE"/>
           </a:p>
@@ -7927,7 +7926,7 @@
           <a:p>
             <a:fld id="{79C16800-6255-4A73-95D9-53ECCA86BF18}" type="datetime1">
               <a:rPr lang="fr-FR" smtClean="0"/>
-              <a:t>26/01/2015</a:t>
+              <a:t>27/01/2015</a:t>
             </a:fld>
             <a:endParaRPr lang="fr-BE"/>
           </a:p>
@@ -8168,7 +8167,7 @@
           <a:p>
             <a:fld id="{2ECF0889-EA02-48F1-86FE-1B2AAC4C247E}" type="datetime1">
               <a:rPr lang="fr-FR" smtClean="0"/>
-              <a:t>26/01/2015</a:t>
+              <a:t>27/01/2015</a:t>
             </a:fld>
             <a:endParaRPr lang="fr-BE"/>
           </a:p>
@@ -8496,7 +8495,7 @@
           <a:p>
             <a:fld id="{712E9D54-6766-4EFC-BDD9-0C3193CEE8BD}" type="datetime1">
               <a:rPr lang="fr-FR" smtClean="0"/>
-              <a:t>26/01/2015</a:t>
+              <a:t>27/01/2015</a:t>
             </a:fld>
             <a:endParaRPr lang="fr-BE"/>
           </a:p>
@@ -8591,7 +8590,7 @@
           <a:p>
             <a:fld id="{5469AE92-F693-4AF4-B39E-ECB41C1DA14C}" type="datetime1">
               <a:rPr lang="fr-FR" smtClean="0"/>
-              <a:t>26/01/2015</a:t>
+              <a:t>27/01/2015</a:t>
             </a:fld>
             <a:endParaRPr lang="fr-BE"/>
           </a:p>
@@ -9113,7 +9112,7 @@
           <a:p>
             <a:fld id="{15EB620E-D183-4F2A-BD4F-6B1729D1A0DE}" type="datetime1">
               <a:rPr lang="fr-FR" smtClean="0"/>
-              <a:t>26/01/2015</a:t>
+              <a:t>27/01/2015</a:t>
             </a:fld>
             <a:endParaRPr lang="fr-BE"/>
           </a:p>
@@ -9629,7 +9628,7 @@
           <a:p>
             <a:fld id="{2D38B004-A344-4981-8789-E15D3302231A}" type="datetime1">
               <a:rPr lang="fr-FR" smtClean="0"/>
-              <a:t>26/01/2015</a:t>
+              <a:t>27/01/2015</a:t>
             </a:fld>
             <a:endParaRPr lang="fr-BE"/>
           </a:p>
@@ -9879,7 +9878,7 @@
           <a:p>
             <a:fld id="{002E150F-AA26-4E99-A02A-7CA355CA54B4}" type="datetime1">
               <a:rPr lang="fr-FR" smtClean="0"/>
-              <a:t>26/01/2015</a:t>
+              <a:t>27/01/2015</a:t>
             </a:fld>
             <a:endParaRPr lang="fr-BE"/>
           </a:p>
@@ -10590,7 +10589,7 @@
         <p:spPr>
           <a:xfrm>
             <a:off x="2051720" y="1628800"/>
-            <a:ext cx="6406480" cy="3389762"/>
+            <a:ext cx="7092280" cy="3389762"/>
           </a:xfrm>
         </p:spPr>
         <p:txBody>
@@ -10610,6 +10609,14 @@
             <a:r>
               <a:rPr lang="fr-FR" dirty="0" smtClean="0"/>
               <a:t> et </a:t>
+            </a:r>
+            <a:r>
+              <a:rPr lang="fr-FR" dirty="0" err="1" smtClean="0"/>
+              <a:t>Motor</a:t>
+            </a:r>
+            <a:r>
+              <a:rPr lang="fr-FR" dirty="0" smtClean="0"/>
+              <a:t> </a:t>
             </a:r>
             <a:r>
               <a:rPr lang="fr-FR" dirty="0" err="1" smtClean="0"/>
@@ -11457,16 +11464,21 @@
         </p:nvSpPr>
         <p:spPr/>
         <p:txBody>
-          <a:bodyPr/>
+          <a:bodyPr>
+            <a:normAutofit fontScale="90000"/>
+          </a:bodyPr>
           <a:lstStyle/>
           <a:p>
             <a:r>
               <a:rPr lang="fr-FR" dirty="0" smtClean="0"/>
-              <a:t>Plan de </a:t>
-            </a:r>
-            <a:r>
-              <a:rPr lang="fr-FR" dirty="0" err="1" smtClean="0"/>
-              <a:t>cablage</a:t>
+              <a:t>Acquisition potentiomètre</a:t>
+            </a:r>
+            <a:br>
+              <a:rPr lang="fr-FR" dirty="0" smtClean="0"/>
+            </a:br>
+            <a:r>
+              <a:rPr lang="fr-FR" dirty="0" smtClean="0"/>
+              <a:t>Matériel et câblage</a:t>
             </a:r>
             <a:endParaRPr lang="fr-FR" dirty="0"/>
           </a:p>
@@ -11487,7 +11499,25 @@
           <a:bodyPr/>
           <a:lstStyle/>
           <a:p>
-            <a:endParaRPr lang="fr-FR"/>
+            <a:r>
+              <a:rPr lang="fr-FR" dirty="0" smtClean="0"/>
+              <a:t>Une carte </a:t>
+            </a:r>
+            <a:r>
+              <a:rPr lang="fr-FR" dirty="0" err="1" smtClean="0"/>
+              <a:t>arduino</a:t>
+            </a:r>
+            <a:r>
+              <a:rPr lang="fr-FR" dirty="0" smtClean="0"/>
+              <a:t> UNO</a:t>
+            </a:r>
+          </a:p>
+          <a:p>
+            <a:r>
+              <a:rPr lang="fr-FR" dirty="0" smtClean="0"/>
+              <a:t>Un potentiomètre rotatif</a:t>
+            </a:r>
+            <a:endParaRPr lang="fr-FR" dirty="0"/>
           </a:p>
         </p:txBody>
       </p:sp>
@@ -11538,10 +11568,51 @@
           </a:p>
         </p:txBody>
       </p:sp>
+      <p:pic>
+        <p:nvPicPr>
+          <p:cNvPr id="1026" name="Picture 2" descr="C:\Users\Xavier\Desktop\Potentiomètre_bb.png"/>
+          <p:cNvPicPr>
+            <a:picLocks noChangeAspect="1" noChangeArrowheads="1"/>
+          </p:cNvPicPr>
+          <p:nvPr/>
+        </p:nvPicPr>
+        <p:blipFill>
+          <a:blip r:embed="rId2" cstate="print">
+            <a:extLst>
+              <a:ext uri="{28A0092B-C50C-407E-A947-70E740481C1C}">
+                <a14:useLocalDpi xmlns:a14="http://schemas.microsoft.com/office/drawing/2010/main" val="0"/>
+              </a:ext>
+            </a:extLst>
+          </a:blip>
+          <a:srcRect/>
+          <a:stretch>
+            <a:fillRect/>
+          </a:stretch>
+        </p:blipFill>
+        <p:spPr bwMode="auto">
+          <a:xfrm>
+            <a:off x="2123728" y="2636912"/>
+            <a:ext cx="3881438" cy="2560638"/>
+          </a:xfrm>
+          <a:prstGeom prst="rect">
+            <a:avLst/>
+          </a:prstGeom>
+          <a:noFill/>
+          <a:extLst>
+            <a:ext uri="{909E8E84-426E-40DD-AFC4-6F175D3DCCD1}">
+              <a14:hiddenFill xmlns:a14="http://schemas.microsoft.com/office/drawing/2010/main">
+                <a:solidFill>
+                  <a:srgbClr val="FFFFFF"/>
+                </a:solidFill>
+              </a14:hiddenFill>
+            </a:ext>
+          </a:extLst>
+        </p:spPr>
+      </p:pic>
     </p:spTree>
     <p:extLst>
       <p:ext uri="{BB962C8B-B14F-4D97-AF65-F5344CB8AC3E}">
-        <p14:creationId xmlns:p14="http://schemas.microsoft.com/office/powerpoint/2010/main" val="2764029833"/>
+        <p14:creationId xmlns:p14="http://schemas.microsoft.com/office/powerpoint/2010/main" val="2301597797"/>
       </p:ext>
     </p:extLst>
   </p:cSld>
@@ -11585,7 +11656,7 @@
           <a:p>
             <a:r>
               <a:rPr lang="fr-FR" dirty="0" smtClean="0"/>
-              <a:t>Le programme</a:t>
+              <a:t>Travail à réaliser</a:t>
             </a:r>
             <a:endParaRPr lang="fr-FR" dirty="0"/>
           </a:p>
@@ -11606,7 +11677,41 @@
           <a:bodyPr/>
           <a:lstStyle/>
           <a:p>
-            <a:endParaRPr lang="fr-FR"/>
+            <a:r>
+              <a:rPr lang="fr-FR" dirty="0" smtClean="0"/>
+              <a:t>Réaliser le </a:t>
+            </a:r>
+            <a:r>
+              <a:rPr lang="fr-FR" dirty="0" smtClean="0"/>
+              <a:t>câblage</a:t>
+            </a:r>
+          </a:p>
+          <a:p>
+            <a:r>
+              <a:rPr lang="fr-FR" dirty="0" smtClean="0"/>
+              <a:t>Écrire et tester </a:t>
+            </a:r>
+            <a:r>
+              <a:rPr lang="fr-FR" dirty="0" smtClean="0"/>
+              <a:t>le programme</a:t>
+            </a:r>
+          </a:p>
+          <a:p>
+            <a:r>
+              <a:rPr lang="fr-FR" dirty="0"/>
+              <a:t>Expliquer pourquoi A5 est un entier correspondant à la valeur du potentiomètre</a:t>
+            </a:r>
+          </a:p>
+          <a:p>
+            <a:r>
+              <a:rPr lang="fr-FR" dirty="0" smtClean="0"/>
+              <a:t>Trouver </a:t>
+            </a:r>
+            <a:r>
+              <a:rPr lang="fr-FR" dirty="0" smtClean="0"/>
+              <a:t>une méthode pour écrire les informations dans un fichier texte. Vous vous aiderez de Google… </a:t>
+            </a:r>
+            <a:endParaRPr lang="fr-FR" dirty="0"/>
           </a:p>
         </p:txBody>
       </p:sp>
@@ -11657,10 +11762,340 @@
           </a:p>
         </p:txBody>
       </p:sp>
+      <p:sp>
+        <p:nvSpPr>
+          <p:cNvPr id="6" name="ZoneTexte 5"/>
+          <p:cNvSpPr txBox="1"/>
+          <p:nvPr/>
+        </p:nvSpPr>
+        <p:spPr>
+          <a:xfrm>
+            <a:off x="611560" y="4293096"/>
+            <a:ext cx="6624736" cy="2123658"/>
+          </a:xfrm>
+          <a:prstGeom prst="rect">
+            <a:avLst/>
+          </a:prstGeom>
+          <a:noFill/>
+        </p:spPr>
+        <p:txBody>
+          <a:bodyPr wrap="square" rtlCol="0">
+            <a:spAutoFit/>
+          </a:bodyPr>
+          <a:lstStyle/>
+          <a:p>
+            <a:r>
+              <a:rPr lang="fr-FR" sz="1100" dirty="0" err="1">
+                <a:latin typeface="Courier New" panose="02070309020205020404" pitchFamily="49" charset="0"/>
+                <a:cs typeface="Courier New" panose="02070309020205020404" pitchFamily="49" charset="0"/>
+              </a:rPr>
+              <a:t>int</a:t>
+            </a:r>
+            <a:r>
+              <a:rPr lang="fr-FR" sz="1100" dirty="0">
+                <a:latin typeface="Courier New" panose="02070309020205020404" pitchFamily="49" charset="0"/>
+                <a:cs typeface="Courier New" panose="02070309020205020404" pitchFamily="49" charset="0"/>
+              </a:rPr>
+              <a:t> </a:t>
+            </a:r>
+            <a:r>
+              <a:rPr lang="fr-FR" sz="1100" dirty="0" err="1" smtClean="0">
+                <a:latin typeface="Courier New" panose="02070309020205020404" pitchFamily="49" charset="0"/>
+                <a:cs typeface="Courier New" panose="02070309020205020404" pitchFamily="49" charset="0"/>
+              </a:rPr>
+              <a:t>IOcapteur</a:t>
+            </a:r>
+            <a:r>
+              <a:rPr lang="fr-FR" sz="1100" dirty="0" smtClean="0">
+                <a:latin typeface="Courier New" panose="02070309020205020404" pitchFamily="49" charset="0"/>
+                <a:cs typeface="Courier New" panose="02070309020205020404" pitchFamily="49" charset="0"/>
+              </a:rPr>
+              <a:t> </a:t>
+            </a:r>
+            <a:r>
+              <a:rPr lang="fr-FR" sz="1100" dirty="0">
+                <a:latin typeface="Courier New" panose="02070309020205020404" pitchFamily="49" charset="0"/>
+                <a:cs typeface="Courier New" panose="02070309020205020404" pitchFamily="49" charset="0"/>
+              </a:rPr>
+              <a:t>= </a:t>
+            </a:r>
+            <a:r>
+              <a:rPr lang="fr-FR" sz="1100" dirty="0" smtClean="0">
+                <a:latin typeface="Courier New" panose="02070309020205020404" pitchFamily="49" charset="0"/>
+                <a:cs typeface="Courier New" panose="02070309020205020404" pitchFamily="49" charset="0"/>
+              </a:rPr>
+              <a:t>A5;    </a:t>
+            </a:r>
+            <a:r>
+              <a:rPr lang="fr-FR" sz="1100" dirty="0">
+                <a:latin typeface="Courier New" panose="02070309020205020404" pitchFamily="49" charset="0"/>
+                <a:cs typeface="Courier New" panose="02070309020205020404" pitchFamily="49" charset="0"/>
+              </a:rPr>
+              <a:t>// </a:t>
+            </a:r>
+            <a:r>
+              <a:rPr lang="fr-FR" sz="1100" dirty="0" smtClean="0">
+                <a:latin typeface="Courier New" panose="02070309020205020404" pitchFamily="49" charset="0"/>
+                <a:cs typeface="Courier New" panose="02070309020205020404" pitchFamily="49" charset="0"/>
+              </a:rPr>
+              <a:t>Déclaration de l’entrée du potentiomètre</a:t>
+            </a:r>
+            <a:endParaRPr lang="fr-FR" sz="1100" dirty="0">
+              <a:latin typeface="Courier New" panose="02070309020205020404" pitchFamily="49" charset="0"/>
+              <a:cs typeface="Courier New" panose="02070309020205020404" pitchFamily="49" charset="0"/>
+            </a:endParaRPr>
+          </a:p>
+          <a:p>
+            <a:r>
+              <a:rPr lang="fr-FR" sz="1100" dirty="0" err="1" smtClean="0">
+                <a:latin typeface="Courier New" panose="02070309020205020404" pitchFamily="49" charset="0"/>
+                <a:cs typeface="Courier New" panose="02070309020205020404" pitchFamily="49" charset="0"/>
+              </a:rPr>
+              <a:t>int</a:t>
+            </a:r>
+            <a:r>
+              <a:rPr lang="fr-FR" sz="1100" dirty="0" smtClean="0">
+                <a:latin typeface="Courier New" panose="02070309020205020404" pitchFamily="49" charset="0"/>
+                <a:cs typeface="Courier New" panose="02070309020205020404" pitchFamily="49" charset="0"/>
+              </a:rPr>
+              <a:t> valeur </a:t>
+            </a:r>
+            <a:r>
+              <a:rPr lang="fr-FR" sz="1100" dirty="0">
+                <a:latin typeface="Courier New" panose="02070309020205020404" pitchFamily="49" charset="0"/>
+                <a:cs typeface="Courier New" panose="02070309020205020404" pitchFamily="49" charset="0"/>
+              </a:rPr>
+              <a:t>= 0;  </a:t>
+            </a:r>
+            <a:r>
+              <a:rPr lang="fr-FR" sz="1100" dirty="0" smtClean="0">
+                <a:latin typeface="Courier New" panose="02070309020205020404" pitchFamily="49" charset="0"/>
+                <a:cs typeface="Courier New" panose="02070309020205020404" pitchFamily="49" charset="0"/>
+              </a:rPr>
+              <a:t>      // Déclaration de la valeur lue</a:t>
+            </a:r>
+            <a:endParaRPr lang="fr-FR" sz="1100" dirty="0">
+              <a:latin typeface="Courier New" panose="02070309020205020404" pitchFamily="49" charset="0"/>
+              <a:cs typeface="Courier New" panose="02070309020205020404" pitchFamily="49" charset="0"/>
+            </a:endParaRPr>
+          </a:p>
+          <a:p>
+            <a:endParaRPr lang="fr-FR" sz="1100" dirty="0">
+              <a:latin typeface="Courier New" panose="02070309020205020404" pitchFamily="49" charset="0"/>
+              <a:cs typeface="Courier New" panose="02070309020205020404" pitchFamily="49" charset="0"/>
+            </a:endParaRPr>
+          </a:p>
+          <a:p>
+            <a:r>
+              <a:rPr lang="fr-FR" sz="1100" dirty="0" err="1">
+                <a:latin typeface="Courier New" panose="02070309020205020404" pitchFamily="49" charset="0"/>
+                <a:cs typeface="Courier New" panose="02070309020205020404" pitchFamily="49" charset="0"/>
+              </a:rPr>
+              <a:t>void</a:t>
+            </a:r>
+            <a:r>
+              <a:rPr lang="fr-FR" sz="1100" dirty="0">
+                <a:latin typeface="Courier New" panose="02070309020205020404" pitchFamily="49" charset="0"/>
+                <a:cs typeface="Courier New" panose="02070309020205020404" pitchFamily="49" charset="0"/>
+              </a:rPr>
+              <a:t> setup() {</a:t>
+            </a:r>
+          </a:p>
+          <a:p>
+            <a:r>
+              <a:rPr lang="fr-FR" sz="1100" dirty="0" smtClean="0">
+                <a:latin typeface="Courier New" panose="02070309020205020404" pitchFamily="49" charset="0"/>
+                <a:cs typeface="Courier New" panose="02070309020205020404" pitchFamily="49" charset="0"/>
+              </a:rPr>
+              <a:t>  </a:t>
+            </a:r>
+            <a:r>
+              <a:rPr lang="fr-FR" sz="1100" dirty="0" err="1" smtClean="0">
+                <a:latin typeface="Courier New" panose="02070309020205020404" pitchFamily="49" charset="0"/>
+                <a:cs typeface="Courier New" panose="02070309020205020404" pitchFamily="49" charset="0"/>
+              </a:rPr>
+              <a:t>Serial.begin</a:t>
+            </a:r>
+            <a:r>
+              <a:rPr lang="fr-FR" sz="1100" dirty="0" smtClean="0">
+                <a:latin typeface="Courier New" panose="02070309020205020404" pitchFamily="49" charset="0"/>
+                <a:cs typeface="Courier New" panose="02070309020205020404" pitchFamily="49" charset="0"/>
+              </a:rPr>
+              <a:t>(57600);      // ouverture du port série</a:t>
+            </a:r>
+            <a:endParaRPr lang="fr-FR" sz="1100" dirty="0">
+              <a:latin typeface="Courier New" panose="02070309020205020404" pitchFamily="49" charset="0"/>
+              <a:cs typeface="Courier New" panose="02070309020205020404" pitchFamily="49" charset="0"/>
+            </a:endParaRPr>
+          </a:p>
+          <a:p>
+            <a:r>
+              <a:rPr lang="fr-FR" sz="1100" dirty="0">
+                <a:latin typeface="Courier New" panose="02070309020205020404" pitchFamily="49" charset="0"/>
+                <a:cs typeface="Courier New" panose="02070309020205020404" pitchFamily="49" charset="0"/>
+              </a:rPr>
+              <a:t>}</a:t>
+            </a:r>
+          </a:p>
+          <a:p>
+            <a:endParaRPr lang="fr-FR" sz="1100" dirty="0">
+              <a:latin typeface="Courier New" panose="02070309020205020404" pitchFamily="49" charset="0"/>
+              <a:cs typeface="Courier New" panose="02070309020205020404" pitchFamily="49" charset="0"/>
+            </a:endParaRPr>
+          </a:p>
+          <a:p>
+            <a:r>
+              <a:rPr lang="fr-FR" sz="1100" dirty="0" err="1">
+                <a:latin typeface="Courier New" panose="02070309020205020404" pitchFamily="49" charset="0"/>
+                <a:cs typeface="Courier New" panose="02070309020205020404" pitchFamily="49" charset="0"/>
+              </a:rPr>
+              <a:t>void</a:t>
+            </a:r>
+            <a:r>
+              <a:rPr lang="fr-FR" sz="1100" dirty="0">
+                <a:latin typeface="Courier New" panose="02070309020205020404" pitchFamily="49" charset="0"/>
+                <a:cs typeface="Courier New" panose="02070309020205020404" pitchFamily="49" charset="0"/>
+              </a:rPr>
+              <a:t> </a:t>
+            </a:r>
+            <a:r>
+              <a:rPr lang="fr-FR" sz="1100" dirty="0" err="1">
+                <a:latin typeface="Courier New" panose="02070309020205020404" pitchFamily="49" charset="0"/>
+                <a:cs typeface="Courier New" panose="02070309020205020404" pitchFamily="49" charset="0"/>
+              </a:rPr>
+              <a:t>loop</a:t>
+            </a:r>
+            <a:r>
+              <a:rPr lang="fr-FR" sz="1100" dirty="0">
+                <a:latin typeface="Courier New" panose="02070309020205020404" pitchFamily="49" charset="0"/>
+                <a:cs typeface="Courier New" panose="02070309020205020404" pitchFamily="49" charset="0"/>
+              </a:rPr>
+              <a:t>() {</a:t>
+            </a:r>
+          </a:p>
+          <a:p>
+            <a:r>
+              <a:rPr lang="fr-FR" sz="1100" dirty="0" smtClean="0">
+                <a:latin typeface="Courier New" panose="02070309020205020404" pitchFamily="49" charset="0"/>
+                <a:cs typeface="Courier New" panose="02070309020205020404" pitchFamily="49" charset="0"/>
+              </a:rPr>
+              <a:t>  valeur = </a:t>
+            </a:r>
+            <a:r>
+              <a:rPr lang="fr-FR" sz="1100" dirty="0" err="1" smtClean="0">
+                <a:latin typeface="Courier New" panose="02070309020205020404" pitchFamily="49" charset="0"/>
+                <a:cs typeface="Courier New" panose="02070309020205020404" pitchFamily="49" charset="0"/>
+              </a:rPr>
+              <a:t>analogRead</a:t>
+            </a:r>
+            <a:r>
+              <a:rPr lang="fr-FR" sz="1100" dirty="0" smtClean="0">
+                <a:latin typeface="Courier New" panose="02070309020205020404" pitchFamily="49" charset="0"/>
+                <a:cs typeface="Courier New" panose="02070309020205020404" pitchFamily="49" charset="0"/>
+              </a:rPr>
+              <a:t>(</a:t>
+            </a:r>
+            <a:r>
+              <a:rPr lang="fr-FR" sz="1100" dirty="0" err="1" smtClean="0">
+                <a:latin typeface="Courier New" panose="02070309020205020404" pitchFamily="49" charset="0"/>
+                <a:cs typeface="Courier New" panose="02070309020205020404" pitchFamily="49" charset="0"/>
+              </a:rPr>
+              <a:t>IOcapteur</a:t>
+            </a:r>
+            <a:r>
+              <a:rPr lang="fr-FR" sz="1100" dirty="0" smtClean="0">
+                <a:latin typeface="Courier New" panose="02070309020205020404" pitchFamily="49" charset="0"/>
+                <a:cs typeface="Courier New" panose="02070309020205020404" pitchFamily="49" charset="0"/>
+              </a:rPr>
+              <a:t>); // Lecture et affectation de la valeur</a:t>
+            </a:r>
+            <a:endParaRPr lang="fr-FR" sz="1100" dirty="0">
+              <a:latin typeface="Courier New" panose="02070309020205020404" pitchFamily="49" charset="0"/>
+              <a:cs typeface="Courier New" panose="02070309020205020404" pitchFamily="49" charset="0"/>
+            </a:endParaRPr>
+          </a:p>
+          <a:p>
+            <a:r>
+              <a:rPr lang="fr-FR" sz="1100" dirty="0" smtClean="0">
+                <a:latin typeface="Courier New" panose="02070309020205020404" pitchFamily="49" charset="0"/>
+                <a:cs typeface="Courier New" panose="02070309020205020404" pitchFamily="49" charset="0"/>
+              </a:rPr>
+              <a:t>  </a:t>
+            </a:r>
+            <a:r>
+              <a:rPr lang="fr-FR" sz="1100" dirty="0" err="1" smtClean="0">
+                <a:latin typeface="Courier New" panose="02070309020205020404" pitchFamily="49" charset="0"/>
+                <a:cs typeface="Courier New" panose="02070309020205020404" pitchFamily="49" charset="0"/>
+              </a:rPr>
+              <a:t>Serial.print</a:t>
+            </a:r>
+            <a:r>
+              <a:rPr lang="fr-FR" sz="1100" dirty="0" smtClean="0">
+                <a:latin typeface="Courier New" panose="02070309020205020404" pitchFamily="49" charset="0"/>
+                <a:cs typeface="Courier New" panose="02070309020205020404" pitchFamily="49" charset="0"/>
+              </a:rPr>
+              <a:t>(valeur); </a:t>
+            </a:r>
+            <a:r>
+              <a:rPr lang="fr-FR" sz="1100" dirty="0">
+                <a:latin typeface="Courier New" panose="02070309020205020404" pitchFamily="49" charset="0"/>
+                <a:cs typeface="Courier New" panose="02070309020205020404" pitchFamily="49" charset="0"/>
+              </a:rPr>
+              <a:t>// </a:t>
+            </a:r>
+            <a:r>
+              <a:rPr lang="fr-FR" sz="1100" dirty="0" smtClean="0">
+                <a:latin typeface="Courier New" panose="02070309020205020404" pitchFamily="49" charset="0"/>
+                <a:cs typeface="Courier New" panose="02070309020205020404" pitchFamily="49" charset="0"/>
+              </a:rPr>
+              <a:t>Affichage de la </a:t>
+            </a:r>
+            <a:r>
+              <a:rPr lang="fr-FR" sz="1100" dirty="0">
+                <a:latin typeface="Courier New" panose="02070309020205020404" pitchFamily="49" charset="0"/>
+                <a:cs typeface="Courier New" panose="02070309020205020404" pitchFamily="49" charset="0"/>
+              </a:rPr>
+              <a:t>valeur</a:t>
+            </a:r>
+          </a:p>
+          <a:p>
+            <a:r>
+              <a:rPr lang="fr-FR" sz="1100" dirty="0">
+                <a:latin typeface="Courier New" panose="02070309020205020404" pitchFamily="49" charset="0"/>
+                <a:cs typeface="Courier New" panose="02070309020205020404" pitchFamily="49" charset="0"/>
+              </a:rPr>
+              <a:t>  </a:t>
+            </a:r>
+            <a:r>
+              <a:rPr lang="fr-FR" sz="1100" dirty="0" err="1">
+                <a:latin typeface="Courier New" panose="02070309020205020404" pitchFamily="49" charset="0"/>
+                <a:cs typeface="Courier New" panose="02070309020205020404" pitchFamily="49" charset="0"/>
+              </a:rPr>
+              <a:t>Serial.println</a:t>
+            </a:r>
+            <a:r>
+              <a:rPr lang="fr-FR" sz="1100" dirty="0">
+                <a:latin typeface="Courier New" panose="02070309020205020404" pitchFamily="49" charset="0"/>
+                <a:cs typeface="Courier New" panose="02070309020205020404" pitchFamily="49" charset="0"/>
+              </a:rPr>
+              <a:t>();</a:t>
+            </a:r>
+          </a:p>
+          <a:p>
+            <a:r>
+              <a:rPr lang="fr-FR" sz="1100" dirty="0">
+                <a:latin typeface="Courier New" panose="02070309020205020404" pitchFamily="49" charset="0"/>
+                <a:cs typeface="Courier New" panose="02070309020205020404" pitchFamily="49" charset="0"/>
+              </a:rPr>
+              <a:t>}</a:t>
+            </a:r>
+          </a:p>
+        </p:txBody>
+      </p:sp>
     </p:spTree>
     <p:extLst>
       <p:ext uri="{BB962C8B-B14F-4D97-AF65-F5344CB8AC3E}">
-        <p14:creationId xmlns:p14="http://schemas.microsoft.com/office/powerpoint/2010/main" val="3290714692"/>
+        <p14:creationId xmlns:p14="http://schemas.microsoft.com/office/powerpoint/2010/main" val="1077748783"/>
       </p:ext>
     </p:extLst>
   </p:cSld>
@@ -11704,7 +12139,7 @@
           <a:p>
             <a:r>
               <a:rPr lang="fr-FR" dirty="0" smtClean="0"/>
-              <a:t>Travail à réaliser</a:t>
+              <a:t>Pilotage d’un moteur</a:t>
             </a:r>
             <a:endParaRPr lang="fr-FR" dirty="0"/>
           </a:p>
@@ -11712,12 +12147,12 @@
       </p:sp>
       <p:sp>
         <p:nvSpPr>
-          <p:cNvPr id="3" name="Espace réservé du contenu 2"/>
+          <p:cNvPr id="3" name="Espace réservé du texte 2"/>
           <p:cNvSpPr>
             <a:spLocks noGrp="1"/>
           </p:cNvSpPr>
           <p:nvPr>
-            <p:ph sz="quarter" idx="1"/>
+            <p:ph type="body" idx="1"/>
           </p:nvPr>
         </p:nvSpPr>
         <p:spPr/>
@@ -11725,37 +12160,41 @@
           <a:bodyPr/>
           <a:lstStyle/>
           <a:p>
-            <a:r>
-              <a:rPr lang="fr-FR" dirty="0" smtClean="0"/>
-              <a:t>Réaliser le câblage</a:t>
-            </a:r>
-          </a:p>
-          <a:p>
-            <a:r>
-              <a:rPr lang="fr-FR" dirty="0" smtClean="0"/>
-              <a:t>Tester le programme</a:t>
-            </a:r>
-          </a:p>
-          <a:p>
-            <a:endParaRPr lang="fr-FR" dirty="0"/>
-          </a:p>
-          <a:p>
-            <a:r>
-              <a:rPr lang="fr-FR" dirty="0" smtClean="0"/>
-              <a:t>Trouver une méthode pour écrire les informations dans un fichier texte. Vous vous aiderez de Google… </a:t>
-            </a:r>
-            <a:endParaRPr lang="fr-FR" dirty="0"/>
-          </a:p>
-        </p:txBody>
-      </p:sp>
-      <p:sp>
-        <p:nvSpPr>
-          <p:cNvPr id="4" name="Espace réservé du numéro de diapositive 3"/>
+            <a:endParaRPr lang="fr-FR"/>
+          </a:p>
+        </p:txBody>
+      </p:sp>
+      <p:sp>
+        <p:nvSpPr>
+          <p:cNvPr id="4" name="Espace réservé du pied de page 3"/>
           <p:cNvSpPr>
             <a:spLocks noGrp="1"/>
           </p:cNvSpPr>
           <p:nvPr>
-            <p:ph type="sldNum" sz="quarter" idx="15"/>
+            <p:ph type="ftr" sz="quarter" idx="11"/>
+          </p:nvPr>
+        </p:nvSpPr>
+        <p:spPr/>
+        <p:txBody>
+          <a:bodyPr/>
+          <a:lstStyle/>
+          <a:p>
+            <a:r>
+              <a:rPr lang="fr-BE" smtClean="0"/>
+              <a:t>Xavier Pessoles - Jean-Pierre Pupier</a:t>
+            </a:r>
+            <a:endParaRPr lang="fr-BE"/>
+          </a:p>
+        </p:txBody>
+      </p:sp>
+      <p:sp>
+        <p:nvSpPr>
+          <p:cNvPr id="5" name="Espace réservé du numéro de diapositive 4"/>
+          <p:cNvSpPr>
+            <a:spLocks noGrp="1"/>
+          </p:cNvSpPr>
+          <p:nvPr>
+            <p:ph type="sldNum" sz="quarter" idx="12"/>
           </p:nvPr>
         </p:nvSpPr>
         <p:spPr/>
@@ -11772,33 +12211,10 @@
           </a:p>
         </p:txBody>
       </p:sp>
-      <p:sp>
-        <p:nvSpPr>
-          <p:cNvPr id="5" name="Espace réservé du pied de page 4"/>
-          <p:cNvSpPr>
-            <a:spLocks noGrp="1"/>
-          </p:cNvSpPr>
-          <p:nvPr>
-            <p:ph type="ftr" sz="quarter" idx="16"/>
-          </p:nvPr>
-        </p:nvSpPr>
-        <p:spPr/>
-        <p:txBody>
-          <a:bodyPr/>
-          <a:lstStyle/>
-          <a:p>
-            <a:r>
-              <a:rPr lang="fr-BE" smtClean="0"/>
-              <a:t>Xavier Pessoles - Jean-Pierre Pupier</a:t>
-            </a:r>
-            <a:endParaRPr lang="fr-BE"/>
-          </a:p>
-        </p:txBody>
-      </p:sp>
     </p:spTree>
     <p:extLst>
       <p:ext uri="{BB962C8B-B14F-4D97-AF65-F5344CB8AC3E}">
-        <p14:creationId xmlns:p14="http://schemas.microsoft.com/office/powerpoint/2010/main" val="1077748783"/>
+        <p14:creationId xmlns:p14="http://schemas.microsoft.com/office/powerpoint/2010/main" val="3568628440"/>
       </p:ext>
     </p:extLst>
   </p:cSld>
@@ -11837,12 +12253,30 @@
         </p:nvSpPr>
         <p:spPr/>
         <p:txBody>
-          <a:bodyPr/>
+          <a:bodyPr>
+            <a:normAutofit fontScale="90000"/>
+          </a:bodyPr>
           <a:lstStyle/>
           <a:p>
             <a:r>
               <a:rPr lang="fr-FR" dirty="0" smtClean="0"/>
-              <a:t>Pilotage d’un moteur</a:t>
+              <a:t>Spécifications du moteur et de la carte </a:t>
+            </a:r>
+            <a:r>
+              <a:rPr lang="fr-FR" dirty="0" err="1"/>
+              <a:t>M</a:t>
+            </a:r>
+            <a:r>
+              <a:rPr lang="fr-FR" dirty="0" err="1" smtClean="0"/>
+              <a:t>otor</a:t>
+            </a:r>
+            <a:r>
+              <a:rPr lang="fr-FR" dirty="0" smtClean="0"/>
+              <a:t> </a:t>
+            </a:r>
+            <a:r>
+              <a:rPr lang="fr-FR" dirty="0" err="1" smtClean="0"/>
+              <a:t>Shield</a:t>
             </a:r>
             <a:endParaRPr lang="fr-FR" dirty="0"/>
           </a:p>
@@ -11850,54 +12284,222 @@
       </p:sp>
       <p:sp>
         <p:nvSpPr>
-          <p:cNvPr id="3" name="Espace réservé du texte 2"/>
+          <p:cNvPr id="3" name="Espace réservé du contenu 2"/>
           <p:cNvSpPr>
             <a:spLocks noGrp="1"/>
           </p:cNvSpPr>
           <p:nvPr>
-            <p:ph type="body" idx="1"/>
+            <p:ph sz="quarter" idx="1"/>
           </p:nvPr>
         </p:nvSpPr>
-        <p:spPr/>
-        <p:txBody>
-          <a:bodyPr/>
+        <p:spPr>
+          <a:xfrm>
+            <a:off x="457200" y="1196752"/>
+            <a:ext cx="6707088" cy="5277200"/>
+          </a:xfrm>
+        </p:spPr>
+        <p:txBody>
+          <a:bodyPr>
+            <a:normAutofit lnSpcReduction="10000"/>
+          </a:bodyPr>
           <a:lstStyle/>
           <a:p>
-            <a:endParaRPr lang="fr-FR"/>
-          </a:p>
-        </p:txBody>
-      </p:sp>
-      <p:sp>
-        <p:nvSpPr>
-          <p:cNvPr id="4" name="Espace réservé du pied de page 3"/>
+            <a:r>
+              <a:rPr lang="fr-FR" dirty="0" smtClean="0"/>
+              <a:t>Matériel nécessaire : </a:t>
+            </a:r>
+          </a:p>
+          <a:p>
+            <a:pPr lvl="1"/>
+            <a:r>
+              <a:rPr lang="fr-FR" dirty="0" smtClean="0"/>
+              <a:t>Carte </a:t>
+            </a:r>
+            <a:r>
+              <a:rPr lang="fr-FR" dirty="0" err="1" smtClean="0"/>
+              <a:t>arduino</a:t>
+            </a:r>
+            <a:r>
+              <a:rPr lang="fr-FR" dirty="0" smtClean="0"/>
+              <a:t> UNO</a:t>
+            </a:r>
+          </a:p>
+          <a:p>
+            <a:pPr lvl="1"/>
+            <a:r>
+              <a:rPr lang="fr-FR" dirty="0" smtClean="0"/>
+              <a:t>Carte </a:t>
+            </a:r>
+            <a:r>
+              <a:rPr lang="fr-FR" dirty="0" err="1" smtClean="0"/>
+              <a:t>Motor</a:t>
+            </a:r>
+            <a:r>
+              <a:rPr lang="fr-FR" dirty="0" smtClean="0"/>
+              <a:t> </a:t>
+            </a:r>
+            <a:r>
+              <a:rPr lang="fr-FR" dirty="0" err="1" smtClean="0"/>
+              <a:t>Shield</a:t>
+            </a:r>
+            <a:endParaRPr lang="fr-FR" dirty="0" smtClean="0"/>
+          </a:p>
+          <a:p>
+            <a:pPr lvl="1"/>
+            <a:r>
+              <a:rPr lang="fr-FR" dirty="0" smtClean="0"/>
+              <a:t>Un moteur électrique</a:t>
+            </a:r>
+            <a:endParaRPr lang="fr-FR" dirty="0" smtClean="0"/>
+          </a:p>
+          <a:p>
+            <a:pPr lvl="1"/>
+            <a:r>
+              <a:rPr lang="fr-FR" dirty="0" smtClean="0"/>
+              <a:t>Batterie (attention, il n’y en a pas assez pour tous, mais elle n’est pas indispensable)</a:t>
+            </a:r>
+            <a:endParaRPr lang="fr-FR" dirty="0" smtClean="0"/>
+          </a:p>
+          <a:p>
+            <a:r>
+              <a:rPr lang="fr-FR" dirty="0" err="1" smtClean="0"/>
+              <a:t>Motor</a:t>
+            </a:r>
+            <a:r>
+              <a:rPr lang="fr-FR" dirty="0" smtClean="0"/>
+              <a:t> </a:t>
+            </a:r>
+            <a:r>
+              <a:rPr lang="fr-FR" dirty="0" err="1" smtClean="0"/>
+              <a:t>Shield</a:t>
+            </a:r>
+            <a:endParaRPr lang="fr-FR" dirty="0" smtClean="0"/>
+          </a:p>
+          <a:p>
+            <a:pPr lvl="1"/>
+            <a:r>
+              <a:rPr lang="en-US" dirty="0"/>
+              <a:t>Operating </a:t>
+            </a:r>
+            <a:r>
+              <a:rPr lang="en-US" dirty="0" smtClean="0"/>
+              <a:t>Voltage : 5V </a:t>
+            </a:r>
+            <a:r>
+              <a:rPr lang="en-US" dirty="0"/>
+              <a:t>to 12V</a:t>
+            </a:r>
+          </a:p>
+          <a:p>
+            <a:pPr lvl="1"/>
+            <a:r>
+              <a:rPr lang="en-US" dirty="0"/>
+              <a:t>Motor </a:t>
+            </a:r>
+            <a:r>
+              <a:rPr lang="en-US" dirty="0" smtClean="0"/>
+              <a:t>controller</a:t>
+            </a:r>
+            <a:r>
+              <a:rPr lang="en-US" dirty="0"/>
+              <a:t> : </a:t>
+            </a:r>
+            <a:r>
+              <a:rPr lang="en-US" dirty="0" smtClean="0"/>
+              <a:t>L298P</a:t>
+            </a:r>
+            <a:r>
+              <a:rPr lang="en-US" dirty="0"/>
+              <a:t>, Drives 2 DC motors or 1 stepper motor</a:t>
+            </a:r>
+          </a:p>
+          <a:p>
+            <a:pPr lvl="1"/>
+            <a:r>
+              <a:rPr lang="en-US" dirty="0"/>
+              <a:t>Max </a:t>
+            </a:r>
+            <a:r>
+              <a:rPr lang="en-US" dirty="0" smtClean="0"/>
+              <a:t>current</a:t>
+            </a:r>
+            <a:r>
+              <a:rPr lang="en-US" dirty="0"/>
+              <a:t> : </a:t>
+            </a:r>
+            <a:r>
+              <a:rPr lang="en-US" dirty="0" smtClean="0"/>
+              <a:t>2A </a:t>
+            </a:r>
+            <a:r>
+              <a:rPr lang="en-US" dirty="0"/>
+              <a:t>per channel or 4A max (with external power supply)</a:t>
+            </a:r>
+          </a:p>
+          <a:p>
+            <a:pPr lvl="1"/>
+            <a:r>
+              <a:rPr lang="en-US" dirty="0"/>
+              <a:t>Current </a:t>
+            </a:r>
+            <a:r>
+              <a:rPr lang="en-US" dirty="0" smtClean="0"/>
+              <a:t>sensing</a:t>
+            </a:r>
+            <a:r>
+              <a:rPr lang="en-US" dirty="0"/>
+              <a:t> : </a:t>
+            </a:r>
+            <a:r>
+              <a:rPr lang="en-US" dirty="0" smtClean="0"/>
+              <a:t>1.65V/A</a:t>
+            </a:r>
+            <a:endParaRPr lang="en-US" dirty="0"/>
+          </a:p>
+          <a:p>
+            <a:pPr lvl="1"/>
+            <a:r>
+              <a:rPr lang="en-US" dirty="0"/>
+              <a:t>Free running stop and brake </a:t>
+            </a:r>
+            <a:r>
+              <a:rPr lang="en-US" dirty="0" smtClean="0"/>
+              <a:t>function</a:t>
+            </a:r>
+          </a:p>
+          <a:p>
+            <a:r>
+              <a:rPr lang="en-US" dirty="0" err="1" smtClean="0"/>
+              <a:t>Moteur</a:t>
+            </a:r>
+            <a:r>
+              <a:rPr lang="en-US" dirty="0" smtClean="0"/>
+              <a:t> </a:t>
+            </a:r>
+            <a:r>
+              <a:rPr lang="en-US" dirty="0" err="1" smtClean="0"/>
+              <a:t>électrique</a:t>
+            </a:r>
+            <a:r>
+              <a:rPr lang="en-US" dirty="0" smtClean="0"/>
+              <a:t> à courant </a:t>
+            </a:r>
+            <a:r>
+              <a:rPr lang="en-US" dirty="0" err="1" smtClean="0"/>
+              <a:t>continu</a:t>
+            </a:r>
+            <a:endParaRPr lang="fr-FR" dirty="0"/>
+          </a:p>
+        </p:txBody>
+      </p:sp>
+      <p:sp>
+        <p:nvSpPr>
+          <p:cNvPr id="4" name="Espace réservé du numéro de diapositive 3"/>
           <p:cNvSpPr>
             <a:spLocks noGrp="1"/>
           </p:cNvSpPr>
           <p:nvPr>
-            <p:ph type="ftr" sz="quarter" idx="11"/>
-          </p:nvPr>
-        </p:nvSpPr>
-        <p:spPr/>
-        <p:txBody>
-          <a:bodyPr/>
-          <a:lstStyle/>
-          <a:p>
-            <a:r>
-              <a:rPr lang="fr-BE" smtClean="0"/>
-              <a:t>Xavier Pessoles - Jean-Pierre Pupier</a:t>
-            </a:r>
-            <a:endParaRPr lang="fr-BE"/>
-          </a:p>
-        </p:txBody>
-      </p:sp>
-      <p:sp>
-        <p:nvSpPr>
-          <p:cNvPr id="5" name="Espace réservé du numéro de diapositive 4"/>
-          <p:cNvSpPr>
-            <a:spLocks noGrp="1"/>
-          </p:cNvSpPr>
-          <p:nvPr>
-            <p:ph type="sldNum" sz="quarter" idx="12"/>
+            <p:ph type="sldNum" sz="quarter" idx="15"/>
           </p:nvPr>
         </p:nvSpPr>
         <p:spPr/>
@@ -11914,10 +12516,161 @@
           </a:p>
         </p:txBody>
       </p:sp>
+      <p:sp>
+        <p:nvSpPr>
+          <p:cNvPr id="5" name="Espace réservé du pied de page 4"/>
+          <p:cNvSpPr>
+            <a:spLocks noGrp="1"/>
+          </p:cNvSpPr>
+          <p:nvPr>
+            <p:ph type="ftr" sz="quarter" idx="16"/>
+          </p:nvPr>
+        </p:nvSpPr>
+        <p:spPr/>
+        <p:txBody>
+          <a:bodyPr/>
+          <a:lstStyle/>
+          <a:p>
+            <a:r>
+              <a:rPr lang="fr-BE" smtClean="0"/>
+              <a:t>Xavier Pessoles - Jean-Pierre Pupier</a:t>
+            </a:r>
+            <a:endParaRPr lang="fr-BE"/>
+          </a:p>
+        </p:txBody>
+      </p:sp>
+      <p:pic>
+        <p:nvPicPr>
+          <p:cNvPr id="7" name="Picture 2"/>
+          <p:cNvPicPr>
+            <a:picLocks noChangeAspect="1" noChangeArrowheads="1"/>
+          </p:cNvPicPr>
+          <p:nvPr/>
+        </p:nvPicPr>
+        <p:blipFill>
+          <a:blip r:embed="rId2" cstate="print">
+            <a:extLst>
+              <a:ext uri="{28A0092B-C50C-407E-A947-70E740481C1C}">
+                <a14:useLocalDpi xmlns:a14="http://schemas.microsoft.com/office/drawing/2010/main" val="0"/>
+              </a:ext>
+            </a:extLst>
+          </a:blip>
+          <a:srcRect/>
+          <a:stretch>
+            <a:fillRect/>
+          </a:stretch>
+        </p:blipFill>
+        <p:spPr bwMode="auto">
+          <a:xfrm>
+            <a:off x="6483474" y="630705"/>
+            <a:ext cx="1175317" cy="1498280"/>
+          </a:xfrm>
+          <a:prstGeom prst="rect">
+            <a:avLst/>
+          </a:prstGeom>
+          <a:noFill/>
+          <a:ln>
+            <a:noFill/>
+          </a:ln>
+          <a:effectLst/>
+          <a:extLst>
+            <a:ext uri="{909E8E84-426E-40DD-AFC4-6F175D3DCCD1}">
+              <a14:hiddenFill xmlns:a14="http://schemas.microsoft.com/office/drawing/2010/main">
+                <a:solidFill>
+                  <a:schemeClr val="accent1"/>
+                </a:solidFill>
+              </a14:hiddenFill>
+            </a:ext>
+            <a:ext uri="{91240B29-F687-4F45-9708-019B960494DF}">
+              <a14:hiddenLine xmlns:a14="http://schemas.microsoft.com/office/drawing/2010/main" w="9525">
+                <a:solidFill>
+                  <a:schemeClr val="tx1"/>
+                </a:solidFill>
+                <a:miter lim="800000"/>
+                <a:headEnd/>
+                <a:tailEnd/>
+              </a14:hiddenLine>
+            </a:ext>
+            <a:ext uri="{AF507438-7753-43E0-B8FC-AC1667EBCBE1}">
+              <a14:hiddenEffects xmlns:a14="http://schemas.microsoft.com/office/drawing/2010/main">
+                <a:effectLst>
+                  <a:outerShdw dist="35921" dir="2700000" algn="ctr" rotWithShape="0">
+                    <a:schemeClr val="bg2"/>
+                  </a:outerShdw>
+                </a:effectLst>
+              </a14:hiddenEffects>
+            </a:ext>
+          </a:extLst>
+        </p:spPr>
+      </p:pic>
+      <p:pic>
+        <p:nvPicPr>
+          <p:cNvPr id="8" name="Picture 3"/>
+          <p:cNvPicPr>
+            <a:picLocks noChangeAspect="1" noChangeArrowheads="1"/>
+          </p:cNvPicPr>
+          <p:nvPr/>
+        </p:nvPicPr>
+        <p:blipFill>
+          <a:blip r:embed="rId3" cstate="print">
+            <a:extLst>
+              <a:ext uri="{28A0092B-C50C-407E-A947-70E740481C1C}">
+                <a14:useLocalDpi xmlns:a14="http://schemas.microsoft.com/office/drawing/2010/main" val="0"/>
+              </a:ext>
+            </a:extLst>
+          </a:blip>
+          <a:srcRect/>
+          <a:stretch>
+            <a:fillRect/>
+          </a:stretch>
+        </p:blipFill>
+        <p:spPr bwMode="auto">
+          <a:xfrm>
+            <a:off x="7694734" y="620688"/>
+            <a:ext cx="1186611" cy="1518315"/>
+          </a:xfrm>
+          <a:prstGeom prst="rect">
+            <a:avLst/>
+          </a:prstGeom>
+          <a:noFill/>
+          <a:ln>
+            <a:noFill/>
+          </a:ln>
+          <a:effectLst/>
+          <a:extLst>
+            <a:ext uri="{909E8E84-426E-40DD-AFC4-6F175D3DCCD1}">
+              <a14:hiddenFill xmlns:a14="http://schemas.microsoft.com/office/drawing/2010/main">
+                <a:solidFill>
+                  <a:schemeClr val="accent1"/>
+                </a:solidFill>
+              </a14:hiddenFill>
+            </a:ext>
+            <a:ext uri="{91240B29-F687-4F45-9708-019B960494DF}">
+              <a14:hiddenLine xmlns:a14="http://schemas.microsoft.com/office/drawing/2010/main" w="9525">
+                <a:solidFill>
+                  <a:schemeClr val="tx1"/>
+                </a:solidFill>
+                <a:miter lim="800000"/>
+                <a:headEnd/>
+                <a:tailEnd/>
+              </a14:hiddenLine>
+            </a:ext>
+            <a:ext uri="{AF507438-7753-43E0-B8FC-AC1667EBCBE1}">
+              <a14:hiddenEffects xmlns:a14="http://schemas.microsoft.com/office/drawing/2010/main">
+                <a:effectLst>
+                  <a:outerShdw dist="35921" dir="2700000" algn="ctr" rotWithShape="0">
+                    <a:schemeClr val="bg2"/>
+                  </a:outerShdw>
+                </a:effectLst>
+              </a14:hiddenEffects>
+            </a:ext>
+          </a:extLst>
+        </p:spPr>
+      </p:pic>
     </p:spTree>
     <p:extLst>
       <p:ext uri="{BB962C8B-B14F-4D97-AF65-F5344CB8AC3E}">
-        <p14:creationId xmlns:p14="http://schemas.microsoft.com/office/powerpoint/2010/main" val="3568628440"/>
+        <p14:creationId xmlns:p14="http://schemas.microsoft.com/office/powerpoint/2010/main" val="3776661085"/>
       </p:ext>
     </p:extLst>
   </p:cSld>
@@ -11970,31 +12723,152 @@
             </a:br>
             <a:r>
               <a:rPr lang="fr-FR" dirty="0" smtClean="0"/>
-              <a:t>Matériel</a:t>
+              <a:t>Câblage et Programme</a:t>
             </a:r>
             <a:endParaRPr lang="fr-FR" dirty="0"/>
           </a:p>
         </p:txBody>
       </p:sp>
-      <p:sp>
-        <p:nvSpPr>
-          <p:cNvPr id="3" name="Espace réservé du contenu 2"/>
-          <p:cNvSpPr>
-            <a:spLocks noGrp="1"/>
-          </p:cNvSpPr>
-          <p:nvPr>
-            <p:ph sz="quarter" idx="1"/>
-          </p:nvPr>
-        </p:nvSpPr>
-        <p:spPr/>
-        <p:txBody>
-          <a:bodyPr/>
-          <a:lstStyle/>
-          <a:p>
-            <a:endParaRPr lang="fr-FR"/>
-          </a:p>
-        </p:txBody>
-      </p:sp>
+      <mc:AlternateContent xmlns:mc="http://schemas.openxmlformats.org/markup-compatibility/2006">
+        <mc:Choice xmlns:a14="http://schemas.microsoft.com/office/drawing/2010/main" Requires="a14">
+          <p:sp>
+            <p:nvSpPr>
+              <p:cNvPr id="3" name="Espace réservé du contenu 2"/>
+              <p:cNvSpPr>
+                <a:spLocks noGrp="1"/>
+              </p:cNvSpPr>
+              <p:nvPr>
+                <p:ph sz="quarter" idx="1"/>
+              </p:nvPr>
+            </p:nvSpPr>
+            <p:spPr>
+              <a:xfrm>
+                <a:off x="467544" y="1196752"/>
+                <a:ext cx="5544616" cy="3096344"/>
+              </a:xfrm>
+            </p:spPr>
+            <p:txBody>
+              <a:bodyPr>
+                <a:normAutofit lnSpcReduction="10000"/>
+              </a:bodyPr>
+              <a:lstStyle/>
+              <a:p>
+                <a:r>
+                  <a:rPr lang="fr-FR" sz="1800" dirty="0" smtClean="0"/>
+                  <a:t>Réaliser le câblage ci-contre. Les deux cartes doivent être branchées l’une sur l’autre.</a:t>
+                </a:r>
+                <a:endParaRPr lang="fr-FR" sz="1800" dirty="0"/>
+              </a:p>
+              <a:p>
+                <a:r>
+                  <a:rPr lang="fr-FR" sz="1800" dirty="0" smtClean="0"/>
+                  <a:t>Pour piloter la sortie B du moteur, il faut utiliser la sortie PWM B à savoir la sortie 11.</a:t>
+                </a:r>
+              </a:p>
+              <a:p>
+                <a:pPr lvl="1"/>
+                <a:r>
+                  <a:rPr lang="fr-FR" sz="1800" dirty="0" smtClean="0"/>
+                  <a:t>Pour piloter la sortie PWM, il faut écrire un nombre de 0 à 255 qui sera proportionnel à la tension d’alimentation.</a:t>
+                </a:r>
+                <a:endParaRPr lang="fr-FR" sz="1800" dirty="0"/>
+              </a:p>
+              <a:p>
+                <a:pPr lvl="1"/>
+                <a:r>
+                  <a:rPr lang="fr-FR" sz="1800" dirty="0" smtClean="0"/>
+                  <a:t>Exemple, si la batterie est de 6V et qu’on envoie le nombre 64 sur le PWM, le moteur sera alimenté à </a:t>
+                </a:r>
+                <a14:m>
+                  <m:oMath xmlns:m="http://schemas.openxmlformats.org/officeDocument/2006/math">
+                    <m:r>
+                      <a:rPr lang="fr-FR" sz="1800" b="0" i="1" smtClean="0">
+                        <a:latin typeface="Cambria Math"/>
+                      </a:rPr>
+                      <m:t>6⋅</m:t>
+                    </m:r>
+                    <m:f>
+                      <m:fPr>
+                        <m:ctrlPr>
+                          <a:rPr lang="fr-FR" sz="1800" b="0" i="1" smtClean="0">
+                            <a:latin typeface="Cambria Math"/>
+                          </a:rPr>
+                        </m:ctrlPr>
+                      </m:fPr>
+                      <m:num>
+                        <m:r>
+                          <a:rPr lang="fr-FR" sz="1800" b="0" i="1" smtClean="0">
+                            <a:latin typeface="Cambria Math"/>
+                          </a:rPr>
+                          <m:t>64</m:t>
+                        </m:r>
+                      </m:num>
+                      <m:den>
+                        <m:r>
+                          <a:rPr lang="fr-FR" sz="1800" b="0" i="1" smtClean="0">
+                            <a:latin typeface="Cambria Math"/>
+                          </a:rPr>
+                          <m:t>255</m:t>
+                        </m:r>
+                      </m:den>
+                    </m:f>
+                    <m:r>
+                      <a:rPr lang="fr-FR" sz="1800" b="0" i="1" smtClean="0">
+                        <a:latin typeface="Cambria Math"/>
+                      </a:rPr>
+                      <m:t>≃1,5 </m:t>
+                    </m:r>
+                    <m:r>
+                      <a:rPr lang="fr-FR" sz="1800" b="0" i="1" smtClean="0">
+                        <a:latin typeface="Cambria Math"/>
+                      </a:rPr>
+                      <m:t>𝑉</m:t>
+                    </m:r>
+                  </m:oMath>
+                </a14:m>
+                <a:endParaRPr lang="fr-FR" sz="1800" dirty="0" smtClean="0"/>
+              </a:p>
+            </p:txBody>
+          </p:sp>
+        </mc:Choice>
+        <mc:Fallback>
+          <p:sp>
+            <p:nvSpPr>
+              <p:cNvPr id="3" name="Espace réservé du contenu 2"/>
+              <p:cNvSpPr>
+                <a:spLocks noGrp="1" noRot="1" noChangeAspect="1" noMove="1" noResize="1" noEditPoints="1" noAdjustHandles="1" noChangeArrowheads="1" noChangeShapeType="1" noTextEdit="1"/>
+              </p:cNvSpPr>
+              <p:nvPr>
+                <p:ph sz="quarter" idx="1"/>
+              </p:nvPr>
+            </p:nvSpPr>
+            <p:spPr>
+              <a:xfrm>
+                <a:off x="467544" y="1196752"/>
+                <a:ext cx="5544616" cy="3096344"/>
+              </a:xfrm>
+              <a:blipFill rotWithShape="1">
+                <a:blip r:embed="rId2"/>
+                <a:stretch>
+                  <a:fillRect t="-1772" r="-880"/>
+                </a:stretch>
+              </a:blipFill>
+            </p:spPr>
+            <p:txBody>
+              <a:bodyPr/>
+              <a:lstStyle/>
+              <a:p>
+                <a:r>
+                  <a:rPr lang="fr-FR">
+                    <a:noFill/>
+                  </a:rPr>
+                  <a:t> </a:t>
+                </a:r>
+              </a:p>
+            </p:txBody>
+          </p:sp>
+        </mc:Fallback>
+      </mc:AlternateContent>
       <p:sp>
         <p:nvSpPr>
           <p:cNvPr id="4" name="Espace réservé du numéro de diapositive 3"/>
@@ -12042,10 +12916,822 @@
           </a:p>
         </p:txBody>
       </p:sp>
+      <p:sp>
+        <p:nvSpPr>
+          <p:cNvPr id="6" name="ZoneTexte 5"/>
+          <p:cNvSpPr txBox="1"/>
+          <p:nvPr/>
+        </p:nvSpPr>
+        <p:spPr>
+          <a:xfrm>
+            <a:off x="329972" y="4077072"/>
+            <a:ext cx="7698412" cy="2554545"/>
+          </a:xfrm>
+          <a:prstGeom prst="rect">
+            <a:avLst/>
+          </a:prstGeom>
+          <a:noFill/>
+        </p:spPr>
+        <p:txBody>
+          <a:bodyPr wrap="square" rtlCol="0">
+            <a:spAutoFit/>
+          </a:bodyPr>
+          <a:lstStyle/>
+          <a:p>
+            <a:r>
+              <a:rPr lang="fr-FR" sz="800" dirty="0" err="1" smtClean="0">
+                <a:latin typeface="Courier New" panose="02070309020205020404" pitchFamily="49" charset="0"/>
+                <a:cs typeface="Courier New" panose="02070309020205020404" pitchFamily="49" charset="0"/>
+              </a:rPr>
+              <a:t>int</a:t>
+            </a:r>
+            <a:r>
+              <a:rPr lang="fr-FR" sz="800" dirty="0" smtClean="0">
+                <a:latin typeface="Courier New" panose="02070309020205020404" pitchFamily="49" charset="0"/>
+                <a:cs typeface="Courier New" panose="02070309020205020404" pitchFamily="49" charset="0"/>
+              </a:rPr>
+              <a:t> </a:t>
+            </a:r>
+            <a:r>
+              <a:rPr lang="fr-FR" sz="800" dirty="0" err="1">
+                <a:latin typeface="Courier New" panose="02070309020205020404" pitchFamily="49" charset="0"/>
+                <a:cs typeface="Courier New" panose="02070309020205020404" pitchFamily="49" charset="0"/>
+              </a:rPr>
+              <a:t>ledPin</a:t>
+            </a:r>
+            <a:r>
+              <a:rPr lang="fr-FR" sz="800" dirty="0">
+                <a:latin typeface="Courier New" panose="02070309020205020404" pitchFamily="49" charset="0"/>
+                <a:cs typeface="Courier New" panose="02070309020205020404" pitchFamily="49" charset="0"/>
+              </a:rPr>
+              <a:t> = 11;    // LED </a:t>
+            </a:r>
+            <a:r>
+              <a:rPr lang="fr-FR" sz="800" dirty="0" err="1">
+                <a:latin typeface="Courier New" panose="02070309020205020404" pitchFamily="49" charset="0"/>
+                <a:cs typeface="Courier New" panose="02070309020205020404" pitchFamily="49" charset="0"/>
+              </a:rPr>
+              <a:t>connected</a:t>
+            </a:r>
+            <a:r>
+              <a:rPr lang="fr-FR" sz="800" dirty="0">
+                <a:latin typeface="Courier New" panose="02070309020205020404" pitchFamily="49" charset="0"/>
+                <a:cs typeface="Courier New" panose="02070309020205020404" pitchFamily="49" charset="0"/>
+              </a:rPr>
+              <a:t> to digital pin </a:t>
+            </a:r>
+            <a:r>
+              <a:rPr lang="fr-FR" sz="800" dirty="0" smtClean="0">
+                <a:latin typeface="Courier New" panose="02070309020205020404" pitchFamily="49" charset="0"/>
+                <a:cs typeface="Courier New" panose="02070309020205020404" pitchFamily="49" charset="0"/>
+              </a:rPr>
+              <a:t>11</a:t>
+            </a:r>
+            <a:endParaRPr lang="fr-FR" sz="800" dirty="0">
+              <a:latin typeface="Courier New" panose="02070309020205020404" pitchFamily="49" charset="0"/>
+              <a:cs typeface="Courier New" panose="02070309020205020404" pitchFamily="49" charset="0"/>
+            </a:endParaRPr>
+          </a:p>
+          <a:p>
+            <a:r>
+              <a:rPr lang="fr-FR" sz="800" dirty="0" err="1">
+                <a:latin typeface="Courier New" panose="02070309020205020404" pitchFamily="49" charset="0"/>
+                <a:cs typeface="Courier New" panose="02070309020205020404" pitchFamily="49" charset="0"/>
+              </a:rPr>
+              <a:t>void</a:t>
+            </a:r>
+            <a:r>
+              <a:rPr lang="fr-FR" sz="800" dirty="0">
+                <a:latin typeface="Courier New" panose="02070309020205020404" pitchFamily="49" charset="0"/>
+                <a:cs typeface="Courier New" panose="02070309020205020404" pitchFamily="49" charset="0"/>
+              </a:rPr>
+              <a:t> setup()  { </a:t>
+            </a:r>
+          </a:p>
+          <a:p>
+            <a:r>
+              <a:rPr lang="fr-FR" sz="800" dirty="0">
+                <a:latin typeface="Courier New" panose="02070309020205020404" pitchFamily="49" charset="0"/>
+                <a:cs typeface="Courier New" panose="02070309020205020404" pitchFamily="49" charset="0"/>
+              </a:rPr>
+              <a:t>  // </a:t>
+            </a:r>
+            <a:r>
+              <a:rPr lang="fr-FR" sz="800" dirty="0" err="1">
+                <a:latin typeface="Courier New" panose="02070309020205020404" pitchFamily="49" charset="0"/>
+                <a:cs typeface="Courier New" panose="02070309020205020404" pitchFamily="49" charset="0"/>
+              </a:rPr>
+              <a:t>nothing</a:t>
+            </a:r>
+            <a:r>
+              <a:rPr lang="fr-FR" sz="800" dirty="0">
+                <a:latin typeface="Courier New" panose="02070309020205020404" pitchFamily="49" charset="0"/>
+                <a:cs typeface="Courier New" panose="02070309020205020404" pitchFamily="49" charset="0"/>
+              </a:rPr>
+              <a:t> </a:t>
+            </a:r>
+            <a:r>
+              <a:rPr lang="fr-FR" sz="800" dirty="0" err="1">
+                <a:latin typeface="Courier New" panose="02070309020205020404" pitchFamily="49" charset="0"/>
+                <a:cs typeface="Courier New" panose="02070309020205020404" pitchFamily="49" charset="0"/>
+              </a:rPr>
+              <a:t>happens</a:t>
+            </a:r>
+            <a:r>
+              <a:rPr lang="fr-FR" sz="800" dirty="0">
+                <a:latin typeface="Courier New" panose="02070309020205020404" pitchFamily="49" charset="0"/>
+                <a:cs typeface="Courier New" panose="02070309020205020404" pitchFamily="49" charset="0"/>
+              </a:rPr>
+              <a:t> in setup </a:t>
+            </a:r>
+          </a:p>
+          <a:p>
+            <a:r>
+              <a:rPr lang="fr-FR" sz="800" dirty="0">
+                <a:latin typeface="Courier New" panose="02070309020205020404" pitchFamily="49" charset="0"/>
+                <a:cs typeface="Courier New" panose="02070309020205020404" pitchFamily="49" charset="0"/>
+              </a:rPr>
+              <a:t>} </a:t>
+            </a:r>
+          </a:p>
+          <a:p>
+            <a:r>
+              <a:rPr lang="fr-FR" sz="800" dirty="0" err="1">
+                <a:latin typeface="Courier New" panose="02070309020205020404" pitchFamily="49" charset="0"/>
+                <a:cs typeface="Courier New" panose="02070309020205020404" pitchFamily="49" charset="0"/>
+              </a:rPr>
+              <a:t>void</a:t>
+            </a:r>
+            <a:r>
+              <a:rPr lang="fr-FR" sz="800" dirty="0">
+                <a:latin typeface="Courier New" panose="02070309020205020404" pitchFamily="49" charset="0"/>
+                <a:cs typeface="Courier New" panose="02070309020205020404" pitchFamily="49" charset="0"/>
+              </a:rPr>
+              <a:t> </a:t>
+            </a:r>
+            <a:r>
+              <a:rPr lang="fr-FR" sz="800" dirty="0" err="1">
+                <a:latin typeface="Courier New" panose="02070309020205020404" pitchFamily="49" charset="0"/>
+                <a:cs typeface="Courier New" panose="02070309020205020404" pitchFamily="49" charset="0"/>
+              </a:rPr>
+              <a:t>loop</a:t>
+            </a:r>
+            <a:r>
+              <a:rPr lang="fr-FR" sz="800" dirty="0">
+                <a:latin typeface="Courier New" panose="02070309020205020404" pitchFamily="49" charset="0"/>
+                <a:cs typeface="Courier New" panose="02070309020205020404" pitchFamily="49" charset="0"/>
+              </a:rPr>
+              <a:t>()  { </a:t>
+            </a:r>
+            <a:endParaRPr lang="fr-FR" sz="800" dirty="0" smtClean="0">
+              <a:latin typeface="Courier New" panose="02070309020205020404" pitchFamily="49" charset="0"/>
+              <a:cs typeface="Courier New" panose="02070309020205020404" pitchFamily="49" charset="0"/>
+            </a:endParaRPr>
+          </a:p>
+          <a:p>
+            <a:r>
+              <a:rPr lang="fr-FR" sz="800" dirty="0">
+                <a:latin typeface="Courier New" panose="02070309020205020404" pitchFamily="49" charset="0"/>
+                <a:cs typeface="Courier New" panose="02070309020205020404" pitchFamily="49" charset="0"/>
+              </a:rPr>
+              <a:t> </a:t>
+            </a:r>
+            <a:r>
+              <a:rPr lang="fr-FR" sz="800" dirty="0" smtClean="0">
+                <a:latin typeface="Courier New" panose="02070309020205020404" pitchFamily="49" charset="0"/>
+                <a:cs typeface="Courier New" panose="02070309020205020404" pitchFamily="49" charset="0"/>
+              </a:rPr>
+              <a:t> // </a:t>
+            </a:r>
+            <a:r>
+              <a:rPr lang="fr-FR" sz="800" dirty="0">
+                <a:latin typeface="Courier New" panose="02070309020205020404" pitchFamily="49" charset="0"/>
+                <a:cs typeface="Courier New" panose="02070309020205020404" pitchFamily="49" charset="0"/>
+              </a:rPr>
+              <a:t>fade in </a:t>
+            </a:r>
+            <a:r>
+              <a:rPr lang="fr-FR" sz="800" dirty="0" err="1">
+                <a:latin typeface="Courier New" panose="02070309020205020404" pitchFamily="49" charset="0"/>
+                <a:cs typeface="Courier New" panose="02070309020205020404" pitchFamily="49" charset="0"/>
+              </a:rPr>
+              <a:t>from</a:t>
+            </a:r>
+            <a:r>
+              <a:rPr lang="fr-FR" sz="800" dirty="0">
+                <a:latin typeface="Courier New" panose="02070309020205020404" pitchFamily="49" charset="0"/>
+                <a:cs typeface="Courier New" panose="02070309020205020404" pitchFamily="49" charset="0"/>
+              </a:rPr>
+              <a:t> min to max in </a:t>
+            </a:r>
+            <a:r>
+              <a:rPr lang="fr-FR" sz="800" dirty="0" err="1">
+                <a:latin typeface="Courier New" panose="02070309020205020404" pitchFamily="49" charset="0"/>
+                <a:cs typeface="Courier New" panose="02070309020205020404" pitchFamily="49" charset="0"/>
+              </a:rPr>
+              <a:t>increments</a:t>
+            </a:r>
+            <a:r>
+              <a:rPr lang="fr-FR" sz="800" dirty="0">
+                <a:latin typeface="Courier New" panose="02070309020205020404" pitchFamily="49" charset="0"/>
+                <a:cs typeface="Courier New" panose="02070309020205020404" pitchFamily="49" charset="0"/>
+              </a:rPr>
+              <a:t> of 5 points:</a:t>
+            </a:r>
+          </a:p>
+          <a:p>
+            <a:r>
+              <a:rPr lang="fr-FR" sz="800" dirty="0">
+                <a:latin typeface="Courier New" panose="02070309020205020404" pitchFamily="49" charset="0"/>
+                <a:cs typeface="Courier New" panose="02070309020205020404" pitchFamily="49" charset="0"/>
+              </a:rPr>
+              <a:t>  for(</a:t>
+            </a:r>
+            <a:r>
+              <a:rPr lang="fr-FR" sz="800" dirty="0" err="1">
+                <a:latin typeface="Courier New" panose="02070309020205020404" pitchFamily="49" charset="0"/>
+                <a:cs typeface="Courier New" panose="02070309020205020404" pitchFamily="49" charset="0"/>
+              </a:rPr>
+              <a:t>int</a:t>
+            </a:r>
+            <a:r>
+              <a:rPr lang="fr-FR" sz="800" dirty="0">
+                <a:latin typeface="Courier New" panose="02070309020205020404" pitchFamily="49" charset="0"/>
+                <a:cs typeface="Courier New" panose="02070309020205020404" pitchFamily="49" charset="0"/>
+              </a:rPr>
+              <a:t> </a:t>
+            </a:r>
+            <a:r>
+              <a:rPr lang="fr-FR" sz="800" dirty="0" err="1">
+                <a:latin typeface="Courier New" panose="02070309020205020404" pitchFamily="49" charset="0"/>
+                <a:cs typeface="Courier New" panose="02070309020205020404" pitchFamily="49" charset="0"/>
+              </a:rPr>
+              <a:t>fadeValue</a:t>
+            </a:r>
+            <a:r>
+              <a:rPr lang="fr-FR" sz="800" dirty="0">
+                <a:latin typeface="Courier New" panose="02070309020205020404" pitchFamily="49" charset="0"/>
+                <a:cs typeface="Courier New" panose="02070309020205020404" pitchFamily="49" charset="0"/>
+              </a:rPr>
+              <a:t> = 0 ; </a:t>
+            </a:r>
+            <a:r>
+              <a:rPr lang="fr-FR" sz="800" dirty="0" err="1">
+                <a:latin typeface="Courier New" panose="02070309020205020404" pitchFamily="49" charset="0"/>
+                <a:cs typeface="Courier New" panose="02070309020205020404" pitchFamily="49" charset="0"/>
+              </a:rPr>
+              <a:t>fadeValue</a:t>
+            </a:r>
+            <a:r>
+              <a:rPr lang="fr-FR" sz="800" dirty="0">
+                <a:latin typeface="Courier New" panose="02070309020205020404" pitchFamily="49" charset="0"/>
+                <a:cs typeface="Courier New" panose="02070309020205020404" pitchFamily="49" charset="0"/>
+              </a:rPr>
+              <a:t> &lt;= 255; </a:t>
+            </a:r>
+            <a:r>
+              <a:rPr lang="fr-FR" sz="800" dirty="0" err="1">
+                <a:latin typeface="Courier New" panose="02070309020205020404" pitchFamily="49" charset="0"/>
+                <a:cs typeface="Courier New" panose="02070309020205020404" pitchFamily="49" charset="0"/>
+              </a:rPr>
+              <a:t>fadeValue</a:t>
+            </a:r>
+            <a:r>
+              <a:rPr lang="fr-FR" sz="800" dirty="0">
+                <a:latin typeface="Courier New" panose="02070309020205020404" pitchFamily="49" charset="0"/>
+                <a:cs typeface="Courier New" panose="02070309020205020404" pitchFamily="49" charset="0"/>
+              </a:rPr>
+              <a:t> +=5) { </a:t>
+            </a:r>
+          </a:p>
+          <a:p>
+            <a:r>
+              <a:rPr lang="fr-FR" sz="800" dirty="0">
+                <a:latin typeface="Courier New" panose="02070309020205020404" pitchFamily="49" charset="0"/>
+                <a:cs typeface="Courier New" panose="02070309020205020404" pitchFamily="49" charset="0"/>
+              </a:rPr>
+              <a:t>    // sets the value (range </a:t>
+            </a:r>
+            <a:r>
+              <a:rPr lang="fr-FR" sz="800" dirty="0" err="1">
+                <a:latin typeface="Courier New" panose="02070309020205020404" pitchFamily="49" charset="0"/>
+                <a:cs typeface="Courier New" panose="02070309020205020404" pitchFamily="49" charset="0"/>
+              </a:rPr>
+              <a:t>from</a:t>
+            </a:r>
+            <a:r>
+              <a:rPr lang="fr-FR" sz="800" dirty="0">
+                <a:latin typeface="Courier New" panose="02070309020205020404" pitchFamily="49" charset="0"/>
+                <a:cs typeface="Courier New" panose="02070309020205020404" pitchFamily="49" charset="0"/>
+              </a:rPr>
+              <a:t> 0 to 255):</a:t>
+            </a:r>
+          </a:p>
+          <a:p>
+            <a:r>
+              <a:rPr lang="fr-FR" sz="800" dirty="0">
+                <a:latin typeface="Courier New" panose="02070309020205020404" pitchFamily="49" charset="0"/>
+                <a:cs typeface="Courier New" panose="02070309020205020404" pitchFamily="49" charset="0"/>
+              </a:rPr>
+              <a:t>    </a:t>
+            </a:r>
+            <a:r>
+              <a:rPr lang="fr-FR" sz="800" dirty="0" err="1">
+                <a:latin typeface="Courier New" panose="02070309020205020404" pitchFamily="49" charset="0"/>
+                <a:cs typeface="Courier New" panose="02070309020205020404" pitchFamily="49" charset="0"/>
+              </a:rPr>
+              <a:t>analogWrite</a:t>
+            </a:r>
+            <a:r>
+              <a:rPr lang="fr-FR" sz="800" dirty="0">
+                <a:latin typeface="Courier New" panose="02070309020205020404" pitchFamily="49" charset="0"/>
+                <a:cs typeface="Courier New" panose="02070309020205020404" pitchFamily="49" charset="0"/>
+              </a:rPr>
+              <a:t>(</a:t>
+            </a:r>
+            <a:r>
+              <a:rPr lang="fr-FR" sz="800" dirty="0" err="1">
+                <a:latin typeface="Courier New" panose="02070309020205020404" pitchFamily="49" charset="0"/>
+                <a:cs typeface="Courier New" panose="02070309020205020404" pitchFamily="49" charset="0"/>
+              </a:rPr>
+              <a:t>ledPin</a:t>
+            </a:r>
+            <a:r>
+              <a:rPr lang="fr-FR" sz="800" dirty="0">
+                <a:latin typeface="Courier New" panose="02070309020205020404" pitchFamily="49" charset="0"/>
+                <a:cs typeface="Courier New" panose="02070309020205020404" pitchFamily="49" charset="0"/>
+              </a:rPr>
+              <a:t>, </a:t>
+            </a:r>
+            <a:r>
+              <a:rPr lang="fr-FR" sz="800" dirty="0" err="1">
+                <a:latin typeface="Courier New" panose="02070309020205020404" pitchFamily="49" charset="0"/>
+                <a:cs typeface="Courier New" panose="02070309020205020404" pitchFamily="49" charset="0"/>
+              </a:rPr>
+              <a:t>fadeValue</a:t>
+            </a:r>
+            <a:r>
+              <a:rPr lang="fr-FR" sz="800" dirty="0">
+                <a:latin typeface="Courier New" panose="02070309020205020404" pitchFamily="49" charset="0"/>
+                <a:cs typeface="Courier New" panose="02070309020205020404" pitchFamily="49" charset="0"/>
+              </a:rPr>
+              <a:t>);         </a:t>
+            </a:r>
+          </a:p>
+          <a:p>
+            <a:r>
+              <a:rPr lang="fr-FR" sz="800" dirty="0">
+                <a:latin typeface="Courier New" panose="02070309020205020404" pitchFamily="49" charset="0"/>
+                <a:cs typeface="Courier New" panose="02070309020205020404" pitchFamily="49" charset="0"/>
+              </a:rPr>
+              <a:t>    // </a:t>
+            </a:r>
+            <a:r>
+              <a:rPr lang="fr-FR" sz="800" dirty="0" err="1">
+                <a:latin typeface="Courier New" panose="02070309020205020404" pitchFamily="49" charset="0"/>
+                <a:cs typeface="Courier New" panose="02070309020205020404" pitchFamily="49" charset="0"/>
+              </a:rPr>
+              <a:t>wait</a:t>
+            </a:r>
+            <a:r>
+              <a:rPr lang="fr-FR" sz="800" dirty="0">
+                <a:latin typeface="Courier New" panose="02070309020205020404" pitchFamily="49" charset="0"/>
+                <a:cs typeface="Courier New" panose="02070309020205020404" pitchFamily="49" charset="0"/>
+              </a:rPr>
+              <a:t> for 30 </a:t>
+            </a:r>
+            <a:r>
+              <a:rPr lang="fr-FR" sz="800" dirty="0" err="1">
+                <a:latin typeface="Courier New" panose="02070309020205020404" pitchFamily="49" charset="0"/>
+                <a:cs typeface="Courier New" panose="02070309020205020404" pitchFamily="49" charset="0"/>
+              </a:rPr>
+              <a:t>milliseconds</a:t>
+            </a:r>
+            <a:r>
+              <a:rPr lang="fr-FR" sz="800" dirty="0">
+                <a:latin typeface="Courier New" panose="02070309020205020404" pitchFamily="49" charset="0"/>
+                <a:cs typeface="Courier New" panose="02070309020205020404" pitchFamily="49" charset="0"/>
+              </a:rPr>
+              <a:t> to </a:t>
+            </a:r>
+            <a:r>
+              <a:rPr lang="fr-FR" sz="800" dirty="0" err="1">
+                <a:latin typeface="Courier New" panose="02070309020205020404" pitchFamily="49" charset="0"/>
+                <a:cs typeface="Courier New" panose="02070309020205020404" pitchFamily="49" charset="0"/>
+              </a:rPr>
+              <a:t>see</a:t>
+            </a:r>
+            <a:r>
+              <a:rPr lang="fr-FR" sz="800" dirty="0">
+                <a:latin typeface="Courier New" panose="02070309020205020404" pitchFamily="49" charset="0"/>
+                <a:cs typeface="Courier New" panose="02070309020205020404" pitchFamily="49" charset="0"/>
+              </a:rPr>
+              <a:t> the </a:t>
+            </a:r>
+            <a:r>
+              <a:rPr lang="fr-FR" sz="800" dirty="0" err="1">
+                <a:latin typeface="Courier New" panose="02070309020205020404" pitchFamily="49" charset="0"/>
+                <a:cs typeface="Courier New" panose="02070309020205020404" pitchFamily="49" charset="0"/>
+              </a:rPr>
+              <a:t>dimming</a:t>
+            </a:r>
+            <a:r>
+              <a:rPr lang="fr-FR" sz="800" dirty="0">
+                <a:latin typeface="Courier New" panose="02070309020205020404" pitchFamily="49" charset="0"/>
+                <a:cs typeface="Courier New" panose="02070309020205020404" pitchFamily="49" charset="0"/>
+              </a:rPr>
+              <a:t> </a:t>
+            </a:r>
+            <a:r>
+              <a:rPr lang="fr-FR" sz="800" dirty="0" err="1">
+                <a:latin typeface="Courier New" panose="02070309020205020404" pitchFamily="49" charset="0"/>
+                <a:cs typeface="Courier New" panose="02070309020205020404" pitchFamily="49" charset="0"/>
+              </a:rPr>
+              <a:t>effect</a:t>
+            </a:r>
+            <a:r>
+              <a:rPr lang="fr-FR" sz="800" dirty="0">
+                <a:latin typeface="Courier New" panose="02070309020205020404" pitchFamily="49" charset="0"/>
+                <a:cs typeface="Courier New" panose="02070309020205020404" pitchFamily="49" charset="0"/>
+              </a:rPr>
+              <a:t>    </a:t>
+            </a:r>
+          </a:p>
+          <a:p>
+            <a:r>
+              <a:rPr lang="fr-FR" sz="800" dirty="0">
+                <a:latin typeface="Courier New" panose="02070309020205020404" pitchFamily="49" charset="0"/>
+                <a:cs typeface="Courier New" panose="02070309020205020404" pitchFamily="49" charset="0"/>
+              </a:rPr>
+              <a:t>    </a:t>
+            </a:r>
+            <a:r>
+              <a:rPr lang="fr-FR" sz="800" dirty="0" err="1">
+                <a:latin typeface="Courier New" panose="02070309020205020404" pitchFamily="49" charset="0"/>
+                <a:cs typeface="Courier New" panose="02070309020205020404" pitchFamily="49" charset="0"/>
+              </a:rPr>
+              <a:t>delay</a:t>
+            </a:r>
+            <a:r>
+              <a:rPr lang="fr-FR" sz="800" dirty="0">
+                <a:latin typeface="Courier New" panose="02070309020205020404" pitchFamily="49" charset="0"/>
+                <a:cs typeface="Courier New" panose="02070309020205020404" pitchFamily="49" charset="0"/>
+              </a:rPr>
+              <a:t>(1000);                            </a:t>
+            </a:r>
+          </a:p>
+          <a:p>
+            <a:r>
+              <a:rPr lang="fr-FR" sz="800" dirty="0">
+                <a:latin typeface="Courier New" panose="02070309020205020404" pitchFamily="49" charset="0"/>
+                <a:cs typeface="Courier New" panose="02070309020205020404" pitchFamily="49" charset="0"/>
+              </a:rPr>
+              <a:t>  } </a:t>
+            </a:r>
+          </a:p>
+          <a:p>
+            <a:r>
+              <a:rPr lang="fr-FR" sz="800" dirty="0">
+                <a:latin typeface="Courier New" panose="02070309020205020404" pitchFamily="49" charset="0"/>
+                <a:cs typeface="Courier New" panose="02070309020205020404" pitchFamily="49" charset="0"/>
+              </a:rPr>
+              <a:t>  // fade out </a:t>
+            </a:r>
+            <a:r>
+              <a:rPr lang="fr-FR" sz="800" dirty="0" err="1">
+                <a:latin typeface="Courier New" panose="02070309020205020404" pitchFamily="49" charset="0"/>
+                <a:cs typeface="Courier New" panose="02070309020205020404" pitchFamily="49" charset="0"/>
+              </a:rPr>
+              <a:t>from</a:t>
+            </a:r>
+            <a:r>
+              <a:rPr lang="fr-FR" sz="800" dirty="0">
+                <a:latin typeface="Courier New" panose="02070309020205020404" pitchFamily="49" charset="0"/>
+                <a:cs typeface="Courier New" panose="02070309020205020404" pitchFamily="49" charset="0"/>
+              </a:rPr>
+              <a:t> max to min in </a:t>
+            </a:r>
+            <a:r>
+              <a:rPr lang="fr-FR" sz="800" dirty="0" err="1">
+                <a:latin typeface="Courier New" panose="02070309020205020404" pitchFamily="49" charset="0"/>
+                <a:cs typeface="Courier New" panose="02070309020205020404" pitchFamily="49" charset="0"/>
+              </a:rPr>
+              <a:t>increments</a:t>
+            </a:r>
+            <a:r>
+              <a:rPr lang="fr-FR" sz="800" dirty="0">
+                <a:latin typeface="Courier New" panose="02070309020205020404" pitchFamily="49" charset="0"/>
+                <a:cs typeface="Courier New" panose="02070309020205020404" pitchFamily="49" charset="0"/>
+              </a:rPr>
+              <a:t> of 5 points:</a:t>
+            </a:r>
+          </a:p>
+          <a:p>
+            <a:r>
+              <a:rPr lang="fr-FR" sz="800" dirty="0">
+                <a:latin typeface="Courier New" panose="02070309020205020404" pitchFamily="49" charset="0"/>
+                <a:cs typeface="Courier New" panose="02070309020205020404" pitchFamily="49" charset="0"/>
+              </a:rPr>
+              <a:t>  for(</a:t>
+            </a:r>
+            <a:r>
+              <a:rPr lang="fr-FR" sz="800" dirty="0" err="1">
+                <a:latin typeface="Courier New" panose="02070309020205020404" pitchFamily="49" charset="0"/>
+                <a:cs typeface="Courier New" panose="02070309020205020404" pitchFamily="49" charset="0"/>
+              </a:rPr>
+              <a:t>int</a:t>
+            </a:r>
+            <a:r>
+              <a:rPr lang="fr-FR" sz="800" dirty="0">
+                <a:latin typeface="Courier New" panose="02070309020205020404" pitchFamily="49" charset="0"/>
+                <a:cs typeface="Courier New" panose="02070309020205020404" pitchFamily="49" charset="0"/>
+              </a:rPr>
+              <a:t> </a:t>
+            </a:r>
+            <a:r>
+              <a:rPr lang="fr-FR" sz="800" dirty="0" err="1">
+                <a:latin typeface="Courier New" panose="02070309020205020404" pitchFamily="49" charset="0"/>
+                <a:cs typeface="Courier New" panose="02070309020205020404" pitchFamily="49" charset="0"/>
+              </a:rPr>
+              <a:t>fadeValue</a:t>
+            </a:r>
+            <a:r>
+              <a:rPr lang="fr-FR" sz="800" dirty="0">
+                <a:latin typeface="Courier New" panose="02070309020205020404" pitchFamily="49" charset="0"/>
+                <a:cs typeface="Courier New" panose="02070309020205020404" pitchFamily="49" charset="0"/>
+              </a:rPr>
+              <a:t> = 255 ; </a:t>
+            </a:r>
+            <a:r>
+              <a:rPr lang="fr-FR" sz="800" dirty="0" err="1">
+                <a:latin typeface="Courier New" panose="02070309020205020404" pitchFamily="49" charset="0"/>
+                <a:cs typeface="Courier New" panose="02070309020205020404" pitchFamily="49" charset="0"/>
+              </a:rPr>
+              <a:t>fadeValue</a:t>
+            </a:r>
+            <a:r>
+              <a:rPr lang="fr-FR" sz="800" dirty="0">
+                <a:latin typeface="Courier New" panose="02070309020205020404" pitchFamily="49" charset="0"/>
+                <a:cs typeface="Courier New" panose="02070309020205020404" pitchFamily="49" charset="0"/>
+              </a:rPr>
+              <a:t> &gt;= 0; </a:t>
+            </a:r>
+            <a:r>
+              <a:rPr lang="fr-FR" sz="800" dirty="0" err="1">
+                <a:latin typeface="Courier New" panose="02070309020205020404" pitchFamily="49" charset="0"/>
+                <a:cs typeface="Courier New" panose="02070309020205020404" pitchFamily="49" charset="0"/>
+              </a:rPr>
+              <a:t>fadeValue</a:t>
+            </a:r>
+            <a:r>
+              <a:rPr lang="fr-FR" sz="800" dirty="0">
+                <a:latin typeface="Courier New" panose="02070309020205020404" pitchFamily="49" charset="0"/>
+                <a:cs typeface="Courier New" panose="02070309020205020404" pitchFamily="49" charset="0"/>
+              </a:rPr>
+              <a:t> -=5) { </a:t>
+            </a:r>
+          </a:p>
+          <a:p>
+            <a:r>
+              <a:rPr lang="fr-FR" sz="800" dirty="0">
+                <a:latin typeface="Courier New" panose="02070309020205020404" pitchFamily="49" charset="0"/>
+                <a:cs typeface="Courier New" panose="02070309020205020404" pitchFamily="49" charset="0"/>
+              </a:rPr>
+              <a:t>    // sets the value (range </a:t>
+            </a:r>
+            <a:r>
+              <a:rPr lang="fr-FR" sz="800" dirty="0" err="1">
+                <a:latin typeface="Courier New" panose="02070309020205020404" pitchFamily="49" charset="0"/>
+                <a:cs typeface="Courier New" panose="02070309020205020404" pitchFamily="49" charset="0"/>
+              </a:rPr>
+              <a:t>from</a:t>
+            </a:r>
+            <a:r>
+              <a:rPr lang="fr-FR" sz="800" dirty="0">
+                <a:latin typeface="Courier New" panose="02070309020205020404" pitchFamily="49" charset="0"/>
+                <a:cs typeface="Courier New" panose="02070309020205020404" pitchFamily="49" charset="0"/>
+              </a:rPr>
+              <a:t> 0 to 255):</a:t>
+            </a:r>
+          </a:p>
+          <a:p>
+            <a:r>
+              <a:rPr lang="fr-FR" sz="800" dirty="0">
+                <a:latin typeface="Courier New" panose="02070309020205020404" pitchFamily="49" charset="0"/>
+                <a:cs typeface="Courier New" panose="02070309020205020404" pitchFamily="49" charset="0"/>
+              </a:rPr>
+              <a:t>    </a:t>
+            </a:r>
+            <a:r>
+              <a:rPr lang="fr-FR" sz="800" dirty="0" err="1">
+                <a:latin typeface="Courier New" panose="02070309020205020404" pitchFamily="49" charset="0"/>
+                <a:cs typeface="Courier New" panose="02070309020205020404" pitchFamily="49" charset="0"/>
+              </a:rPr>
+              <a:t>analogWrite</a:t>
+            </a:r>
+            <a:r>
+              <a:rPr lang="fr-FR" sz="800" dirty="0">
+                <a:latin typeface="Courier New" panose="02070309020205020404" pitchFamily="49" charset="0"/>
+                <a:cs typeface="Courier New" panose="02070309020205020404" pitchFamily="49" charset="0"/>
+              </a:rPr>
+              <a:t>(</a:t>
+            </a:r>
+            <a:r>
+              <a:rPr lang="fr-FR" sz="800" dirty="0" err="1">
+                <a:latin typeface="Courier New" panose="02070309020205020404" pitchFamily="49" charset="0"/>
+                <a:cs typeface="Courier New" panose="02070309020205020404" pitchFamily="49" charset="0"/>
+              </a:rPr>
+              <a:t>ledPin</a:t>
+            </a:r>
+            <a:r>
+              <a:rPr lang="fr-FR" sz="800" dirty="0">
+                <a:latin typeface="Courier New" panose="02070309020205020404" pitchFamily="49" charset="0"/>
+                <a:cs typeface="Courier New" panose="02070309020205020404" pitchFamily="49" charset="0"/>
+              </a:rPr>
+              <a:t>, </a:t>
+            </a:r>
+            <a:r>
+              <a:rPr lang="fr-FR" sz="800" dirty="0" err="1">
+                <a:latin typeface="Courier New" panose="02070309020205020404" pitchFamily="49" charset="0"/>
+                <a:cs typeface="Courier New" panose="02070309020205020404" pitchFamily="49" charset="0"/>
+              </a:rPr>
+              <a:t>fadeValue</a:t>
+            </a:r>
+            <a:r>
+              <a:rPr lang="fr-FR" sz="800" dirty="0">
+                <a:latin typeface="Courier New" panose="02070309020205020404" pitchFamily="49" charset="0"/>
+                <a:cs typeface="Courier New" panose="02070309020205020404" pitchFamily="49" charset="0"/>
+              </a:rPr>
+              <a:t>);         </a:t>
+            </a:r>
+          </a:p>
+          <a:p>
+            <a:r>
+              <a:rPr lang="fr-FR" sz="800" dirty="0">
+                <a:latin typeface="Courier New" panose="02070309020205020404" pitchFamily="49" charset="0"/>
+                <a:cs typeface="Courier New" panose="02070309020205020404" pitchFamily="49" charset="0"/>
+              </a:rPr>
+              <a:t>    // </a:t>
+            </a:r>
+            <a:r>
+              <a:rPr lang="fr-FR" sz="800" dirty="0" err="1">
+                <a:latin typeface="Courier New" panose="02070309020205020404" pitchFamily="49" charset="0"/>
+                <a:cs typeface="Courier New" panose="02070309020205020404" pitchFamily="49" charset="0"/>
+              </a:rPr>
+              <a:t>wait</a:t>
+            </a:r>
+            <a:r>
+              <a:rPr lang="fr-FR" sz="800" dirty="0">
+                <a:latin typeface="Courier New" panose="02070309020205020404" pitchFamily="49" charset="0"/>
+                <a:cs typeface="Courier New" panose="02070309020205020404" pitchFamily="49" charset="0"/>
+              </a:rPr>
+              <a:t> for 30 </a:t>
+            </a:r>
+            <a:r>
+              <a:rPr lang="fr-FR" sz="800" dirty="0" err="1">
+                <a:latin typeface="Courier New" panose="02070309020205020404" pitchFamily="49" charset="0"/>
+                <a:cs typeface="Courier New" panose="02070309020205020404" pitchFamily="49" charset="0"/>
+              </a:rPr>
+              <a:t>milliseconds</a:t>
+            </a:r>
+            <a:r>
+              <a:rPr lang="fr-FR" sz="800" dirty="0">
+                <a:latin typeface="Courier New" panose="02070309020205020404" pitchFamily="49" charset="0"/>
+                <a:cs typeface="Courier New" panose="02070309020205020404" pitchFamily="49" charset="0"/>
+              </a:rPr>
+              <a:t> to </a:t>
+            </a:r>
+            <a:r>
+              <a:rPr lang="fr-FR" sz="800" dirty="0" err="1">
+                <a:latin typeface="Courier New" panose="02070309020205020404" pitchFamily="49" charset="0"/>
+                <a:cs typeface="Courier New" panose="02070309020205020404" pitchFamily="49" charset="0"/>
+              </a:rPr>
+              <a:t>see</a:t>
+            </a:r>
+            <a:r>
+              <a:rPr lang="fr-FR" sz="800" dirty="0">
+                <a:latin typeface="Courier New" panose="02070309020205020404" pitchFamily="49" charset="0"/>
+                <a:cs typeface="Courier New" panose="02070309020205020404" pitchFamily="49" charset="0"/>
+              </a:rPr>
+              <a:t> the </a:t>
+            </a:r>
+            <a:r>
+              <a:rPr lang="fr-FR" sz="800" dirty="0" err="1">
+                <a:latin typeface="Courier New" panose="02070309020205020404" pitchFamily="49" charset="0"/>
+                <a:cs typeface="Courier New" panose="02070309020205020404" pitchFamily="49" charset="0"/>
+              </a:rPr>
+              <a:t>dimming</a:t>
+            </a:r>
+            <a:r>
+              <a:rPr lang="fr-FR" sz="800" dirty="0">
+                <a:latin typeface="Courier New" panose="02070309020205020404" pitchFamily="49" charset="0"/>
+                <a:cs typeface="Courier New" panose="02070309020205020404" pitchFamily="49" charset="0"/>
+              </a:rPr>
+              <a:t> </a:t>
+            </a:r>
+            <a:r>
+              <a:rPr lang="fr-FR" sz="800" dirty="0" err="1">
+                <a:latin typeface="Courier New" panose="02070309020205020404" pitchFamily="49" charset="0"/>
+                <a:cs typeface="Courier New" panose="02070309020205020404" pitchFamily="49" charset="0"/>
+              </a:rPr>
+              <a:t>effect</a:t>
+            </a:r>
+            <a:r>
+              <a:rPr lang="fr-FR" sz="800" dirty="0">
+                <a:latin typeface="Courier New" panose="02070309020205020404" pitchFamily="49" charset="0"/>
+                <a:cs typeface="Courier New" panose="02070309020205020404" pitchFamily="49" charset="0"/>
+              </a:rPr>
+              <a:t>    </a:t>
+            </a:r>
+          </a:p>
+          <a:p>
+            <a:r>
+              <a:rPr lang="fr-FR" sz="800" dirty="0">
+                <a:latin typeface="Courier New" panose="02070309020205020404" pitchFamily="49" charset="0"/>
+                <a:cs typeface="Courier New" panose="02070309020205020404" pitchFamily="49" charset="0"/>
+              </a:rPr>
+              <a:t>    </a:t>
+            </a:r>
+            <a:r>
+              <a:rPr lang="fr-FR" sz="800" dirty="0" err="1">
+                <a:latin typeface="Courier New" panose="02070309020205020404" pitchFamily="49" charset="0"/>
+                <a:cs typeface="Courier New" panose="02070309020205020404" pitchFamily="49" charset="0"/>
+              </a:rPr>
+              <a:t>delay</a:t>
+            </a:r>
+            <a:r>
+              <a:rPr lang="fr-FR" sz="800" dirty="0">
+                <a:latin typeface="Courier New" panose="02070309020205020404" pitchFamily="49" charset="0"/>
+                <a:cs typeface="Courier New" panose="02070309020205020404" pitchFamily="49" charset="0"/>
+              </a:rPr>
+              <a:t>(100);                            </a:t>
+            </a:r>
+          </a:p>
+          <a:p>
+            <a:r>
+              <a:rPr lang="fr-FR" sz="800" dirty="0">
+                <a:latin typeface="Courier New" panose="02070309020205020404" pitchFamily="49" charset="0"/>
+                <a:cs typeface="Courier New" panose="02070309020205020404" pitchFamily="49" charset="0"/>
+              </a:rPr>
+              <a:t>  } </a:t>
+            </a:r>
+          </a:p>
+          <a:p>
+            <a:r>
+              <a:rPr lang="fr-FR" sz="800" dirty="0">
+                <a:latin typeface="Courier New" panose="02070309020205020404" pitchFamily="49" charset="0"/>
+                <a:cs typeface="Courier New" panose="02070309020205020404" pitchFamily="49" charset="0"/>
+              </a:rPr>
+              <a:t>}</a:t>
+            </a:r>
+          </a:p>
+        </p:txBody>
+      </p:sp>
+      <p:pic>
+        <p:nvPicPr>
+          <p:cNvPr id="3075" name="Picture 3" descr="C:\Users\Xavier\Desktop\Moteur_bb.png"/>
+          <p:cNvPicPr>
+            <a:picLocks noChangeAspect="1" noChangeArrowheads="1"/>
+          </p:cNvPicPr>
+          <p:nvPr/>
+        </p:nvPicPr>
+        <p:blipFill>
+          <a:blip r:embed="rId3" cstate="print">
+            <a:extLst>
+              <a:ext uri="{28A0092B-C50C-407E-A947-70E740481C1C}">
+                <a14:useLocalDpi xmlns:a14="http://schemas.microsoft.com/office/drawing/2010/main" val="0"/>
+              </a:ext>
+            </a:extLst>
+          </a:blip>
+          <a:srcRect/>
+          <a:stretch>
+            <a:fillRect/>
+          </a:stretch>
+        </p:blipFill>
+        <p:spPr bwMode="auto">
+          <a:xfrm>
+            <a:off x="5972554" y="1196752"/>
+            <a:ext cx="2717949" cy="2232248"/>
+          </a:xfrm>
+          <a:prstGeom prst="rect">
+            <a:avLst/>
+          </a:prstGeom>
+          <a:noFill/>
+          <a:extLst>
+            <a:ext uri="{909E8E84-426E-40DD-AFC4-6F175D3DCCD1}">
+              <a14:hiddenFill xmlns:a14="http://schemas.microsoft.com/office/drawing/2010/main">
+                <a:solidFill>
+                  <a:srgbClr val="FFFFFF"/>
+                </a:solidFill>
+              </a14:hiddenFill>
+            </a:ext>
+          </a:extLst>
+        </p:spPr>
+      </p:pic>
     </p:spTree>
     <p:extLst>
       <p:ext uri="{BB962C8B-B14F-4D97-AF65-F5344CB8AC3E}">
-        <p14:creationId xmlns:p14="http://schemas.microsoft.com/office/powerpoint/2010/main" val="2301597797"/>
+        <p14:creationId xmlns:p14="http://schemas.microsoft.com/office/powerpoint/2010/main" val="2709543586"/>
       </p:ext>
     </p:extLst>
   </p:cSld>
@@ -12090,15 +13776,15 @@
           <a:lstStyle/>
           <a:p>
             <a:r>
+              <a:rPr lang="fr-FR" dirty="0"/>
+              <a:t>Pilotage d’un moteur</a:t>
+            </a:r>
+            <a:br>
+              <a:rPr lang="fr-FR" dirty="0"/>
+            </a:br>
+            <a:r>
               <a:rPr lang="fr-FR" dirty="0" smtClean="0"/>
-              <a:t>Pilotage d’un moteur</a:t>
-            </a:r>
-            <a:br>
-              <a:rPr lang="fr-FR" dirty="0" smtClean="0"/>
-            </a:br>
-            <a:r>
-              <a:rPr lang="fr-FR" dirty="0" smtClean="0"/>
-              <a:t>Câblage</a:t>
+              <a:t>Travail à réaliser</a:t>
             </a:r>
             <a:endParaRPr lang="fr-FR" dirty="0"/>
           </a:p>
@@ -12119,7 +13805,25 @@
           <a:bodyPr/>
           <a:lstStyle/>
           <a:p>
-            <a:endParaRPr lang="fr-FR"/>
+            <a:r>
+              <a:rPr lang="fr-FR" dirty="0" smtClean="0"/>
+              <a:t>Câbler et saisir le programme.</a:t>
+            </a:r>
+          </a:p>
+          <a:p>
+            <a:r>
+              <a:rPr lang="fr-FR" dirty="0" smtClean="0"/>
+              <a:t>Expliquer le déroulement du programme.</a:t>
+            </a:r>
+          </a:p>
+          <a:p>
+            <a:r>
+              <a:rPr lang="fr-FR" dirty="0" smtClean="0"/>
+              <a:t>Tester le programme</a:t>
+            </a:r>
+          </a:p>
+          <a:p>
+            <a:endParaRPr lang="fr-FR" dirty="0"/>
           </a:p>
         </p:txBody>
       </p:sp>
@@ -12173,7 +13877,7 @@
     </p:spTree>
     <p:extLst>
       <p:ext uri="{BB962C8B-B14F-4D97-AF65-F5344CB8AC3E}">
-        <p14:creationId xmlns:p14="http://schemas.microsoft.com/office/powerpoint/2010/main" val="3009147773"/>
+        <p14:creationId xmlns:p14="http://schemas.microsoft.com/office/powerpoint/2010/main" val="4121254806"/>
       </p:ext>
     </p:extLst>
   </p:cSld>
@@ -12212,21 +13916,12 @@
         </p:nvSpPr>
         <p:spPr/>
         <p:txBody>
-          <a:bodyPr>
-            <a:normAutofit fontScale="90000"/>
-          </a:bodyPr>
+          <a:bodyPr/>
           <a:lstStyle/>
           <a:p>
             <a:r>
               <a:rPr lang="fr-FR" dirty="0" smtClean="0"/>
-              <a:t>Pilotage d’un moteur</a:t>
-            </a:r>
-            <a:br>
-              <a:rPr lang="fr-FR" dirty="0" smtClean="0"/>
-            </a:br>
-            <a:r>
-              <a:rPr lang="fr-FR" dirty="0" smtClean="0"/>
-              <a:t>Programme</a:t>
+              <a:t>Pilotage d’un moteur en boucle ouverte</a:t>
             </a:r>
             <a:endParaRPr lang="fr-FR" dirty="0"/>
           </a:p>
@@ -12234,12 +13929,12 @@
       </p:sp>
       <p:sp>
         <p:nvSpPr>
-          <p:cNvPr id="3" name="Espace réservé du contenu 2"/>
+          <p:cNvPr id="3" name="Espace réservé du texte 2"/>
           <p:cNvSpPr>
             <a:spLocks noGrp="1"/>
           </p:cNvSpPr>
           <p:nvPr>
-            <p:ph sz="quarter" idx="1"/>
+            <p:ph type="body" idx="1"/>
           </p:nvPr>
         </p:nvSpPr>
         <p:spPr/>
@@ -12253,12 +13948,35 @@
       </p:sp>
       <p:sp>
         <p:nvSpPr>
-          <p:cNvPr id="4" name="Espace réservé du numéro de diapositive 3"/>
+          <p:cNvPr id="4" name="Espace réservé du pied de page 3"/>
           <p:cNvSpPr>
             <a:spLocks noGrp="1"/>
           </p:cNvSpPr>
           <p:nvPr>
-            <p:ph type="sldNum" sz="quarter" idx="15"/>
+            <p:ph type="ftr" sz="quarter" idx="11"/>
+          </p:nvPr>
+        </p:nvSpPr>
+        <p:spPr/>
+        <p:txBody>
+          <a:bodyPr/>
+          <a:lstStyle/>
+          <a:p>
+            <a:r>
+              <a:rPr lang="fr-BE" smtClean="0"/>
+              <a:t>Xavier Pessoles - Jean-Pierre Pupier</a:t>
+            </a:r>
+            <a:endParaRPr lang="fr-BE"/>
+          </a:p>
+        </p:txBody>
+      </p:sp>
+      <p:sp>
+        <p:nvSpPr>
+          <p:cNvPr id="5" name="Espace réservé du numéro de diapositive 4"/>
+          <p:cNvSpPr>
+            <a:spLocks noGrp="1"/>
+          </p:cNvSpPr>
+          <p:nvPr>
+            <p:ph type="sldNum" sz="quarter" idx="12"/>
           </p:nvPr>
         </p:nvSpPr>
         <p:spPr/>
@@ -12275,33 +13993,10 @@
           </a:p>
         </p:txBody>
       </p:sp>
-      <p:sp>
-        <p:nvSpPr>
-          <p:cNvPr id="5" name="Espace réservé du pied de page 4"/>
-          <p:cNvSpPr>
-            <a:spLocks noGrp="1"/>
-          </p:cNvSpPr>
-          <p:nvPr>
-            <p:ph type="ftr" sz="quarter" idx="16"/>
-          </p:nvPr>
-        </p:nvSpPr>
-        <p:spPr/>
-        <p:txBody>
-          <a:bodyPr/>
-          <a:lstStyle/>
-          <a:p>
-            <a:r>
-              <a:rPr lang="fr-BE" smtClean="0"/>
-              <a:t>Xavier Pessoles - Jean-Pierre Pupier</a:t>
-            </a:r>
-            <a:endParaRPr lang="fr-BE"/>
-          </a:p>
-        </p:txBody>
-      </p:sp>
     </p:spTree>
     <p:extLst>
       <p:ext uri="{BB962C8B-B14F-4D97-AF65-F5344CB8AC3E}">
-        <p14:creationId xmlns:p14="http://schemas.microsoft.com/office/powerpoint/2010/main" val="3776661085"/>
+        <p14:creationId xmlns:p14="http://schemas.microsoft.com/office/powerpoint/2010/main" val="3547600117"/>
       </p:ext>
     </p:extLst>
   </p:cSld>
@@ -12330,125 +14025,6 @@
       </p:grpSpPr>
       <p:sp>
         <p:nvSpPr>
-          <p:cNvPr id="2" name="Titre 1"/>
-          <p:cNvSpPr>
-            <a:spLocks noGrp="1"/>
-          </p:cNvSpPr>
-          <p:nvPr>
-            <p:ph type="title"/>
-          </p:nvPr>
-        </p:nvSpPr>
-        <p:spPr/>
-        <p:txBody>
-          <a:bodyPr/>
-          <a:lstStyle/>
-          <a:p>
-            <a:r>
-              <a:rPr lang="fr-FR" dirty="0" smtClean="0"/>
-              <a:t>Pilotage d’un moteur en boucle ouverte</a:t>
-            </a:r>
-            <a:endParaRPr lang="fr-FR" dirty="0"/>
-          </a:p>
-        </p:txBody>
-      </p:sp>
-      <p:sp>
-        <p:nvSpPr>
-          <p:cNvPr id="3" name="Espace réservé du texte 2"/>
-          <p:cNvSpPr>
-            <a:spLocks noGrp="1"/>
-          </p:cNvSpPr>
-          <p:nvPr>
-            <p:ph type="body" idx="1"/>
-          </p:nvPr>
-        </p:nvSpPr>
-        <p:spPr/>
-        <p:txBody>
-          <a:bodyPr/>
-          <a:lstStyle/>
-          <a:p>
-            <a:endParaRPr lang="fr-FR"/>
-          </a:p>
-        </p:txBody>
-      </p:sp>
-      <p:sp>
-        <p:nvSpPr>
-          <p:cNvPr id="4" name="Espace réservé du pied de page 3"/>
-          <p:cNvSpPr>
-            <a:spLocks noGrp="1"/>
-          </p:cNvSpPr>
-          <p:nvPr>
-            <p:ph type="ftr" sz="quarter" idx="11"/>
-          </p:nvPr>
-        </p:nvSpPr>
-        <p:spPr/>
-        <p:txBody>
-          <a:bodyPr/>
-          <a:lstStyle/>
-          <a:p>
-            <a:r>
-              <a:rPr lang="fr-BE" smtClean="0"/>
-              <a:t>Xavier Pessoles - Jean-Pierre Pupier</a:t>
-            </a:r>
-            <a:endParaRPr lang="fr-BE"/>
-          </a:p>
-        </p:txBody>
-      </p:sp>
-      <p:sp>
-        <p:nvSpPr>
-          <p:cNvPr id="5" name="Espace réservé du numéro de diapositive 4"/>
-          <p:cNvSpPr>
-            <a:spLocks noGrp="1"/>
-          </p:cNvSpPr>
-          <p:nvPr>
-            <p:ph type="sldNum" sz="quarter" idx="12"/>
-          </p:nvPr>
-        </p:nvSpPr>
-        <p:spPr/>
-        <p:txBody>
-          <a:bodyPr/>
-          <a:lstStyle/>
-          <a:p>
-            <a:fld id="{CF4668DC-857F-487D-BFFA-8C0CA5037977}" type="slidenum">
-              <a:rPr lang="fr-BE" smtClean="0"/>
-              <a:pPr/>
-              <a:t>18</a:t>
-            </a:fld>
-            <a:endParaRPr lang="fr-BE"/>
-          </a:p>
-        </p:txBody>
-      </p:sp>
-    </p:spTree>
-    <p:extLst>
-      <p:ext uri="{BB962C8B-B14F-4D97-AF65-F5344CB8AC3E}">
-        <p14:creationId xmlns:p14="http://schemas.microsoft.com/office/powerpoint/2010/main" val="3547600117"/>
-      </p:ext>
-    </p:extLst>
-  </p:cSld>
-  <p:clrMapOvr>
-    <a:masterClrMapping/>
-  </p:clrMapOvr>
-</p:sld>
-</file>
-
-<file path=ppt/slides/slide19.xml><?xml version="1.0" encoding="utf-8"?>
-<p:sld xmlns:a="http://schemas.openxmlformats.org/drawingml/2006/main" xmlns:r="http://schemas.openxmlformats.org/officeDocument/2006/relationships" xmlns:p="http://schemas.openxmlformats.org/presentationml/2006/main">
-  <p:cSld>
-    <p:spTree>
-      <p:nvGrpSpPr>
-        <p:cNvPr id="1" name=""/>
-        <p:cNvGrpSpPr/>
-        <p:nvPr/>
-      </p:nvGrpSpPr>
-      <p:grpSpPr>
-        <a:xfrm>
-          <a:off x="0" y="0"/>
-          <a:ext cx="0" cy="0"/>
-          <a:chOff x="0" y="0"/>
-          <a:chExt cx="0" cy="0"/>
-        </a:xfrm>
-      </p:grpSpPr>
-      <p:sp>
-        <p:nvSpPr>
           <p:cNvPr id="6" name="Titre 5"/>
           <p:cNvSpPr>
             <a:spLocks noGrp="1"/>
@@ -12514,7 +14090,7 @@
             <a:fld id="{CF4668DC-857F-487D-BFFA-8C0CA5037977}" type="slidenum">
               <a:rPr lang="fr-BE" smtClean="0"/>
               <a:pPr/>
-              <a:t>19</a:t>
+              <a:t>18</a:t>
             </a:fld>
             <a:endParaRPr lang="fr-BE"/>
           </a:p>
@@ -14444,7 +16020,7 @@
         </p:spPr>
         <p:txBody>
           <a:bodyPr>
-            <a:normAutofit fontScale="92500" lnSpcReduction="20000"/>
+            <a:normAutofit fontScale="70000" lnSpcReduction="20000"/>
           </a:bodyPr>
           <a:lstStyle/>
           <a:p>
@@ -14456,7 +16032,7 @@
           <a:p>
             <a:r>
               <a:rPr lang="fr-FR" dirty="0" smtClean="0"/>
-              <a:t>Les lignes doivent se terminer par des ;</a:t>
+              <a:t>Les lignes doivent se terminer par des </a:t>
             </a:r>
           </a:p>
           <a:p>
@@ -14470,6 +16046,10 @@
             </a:r>
           </a:p>
           <a:p>
+            <a:r>
+              <a:rPr lang="fr-FR" dirty="0" smtClean="0"/>
+              <a:t>Pour réaliser un commentaire il faut faire précéder le commentaire de //</a:t>
+            </a:r>
             <a:endParaRPr lang="fr-FR" dirty="0"/>
           </a:p>
         </p:txBody>
@@ -14483,14 +16063,14 @@
           <p:nvPr>
             <p:extLst>
               <p:ext uri="{D42A27DB-BD31-4B8C-83A1-F6EECF244321}">
-                <p14:modId xmlns:p14="http://schemas.microsoft.com/office/powerpoint/2010/main" val="630391846"/>
+                <p14:modId xmlns:p14="http://schemas.microsoft.com/office/powerpoint/2010/main" val="1238670585"/>
               </p:ext>
             </p:extLst>
           </p:nvPr>
         </p:nvGraphicFramePr>
         <p:xfrm>
           <a:off x="251520" y="2708920"/>
-          <a:ext cx="8280920" cy="3840480"/>
+          <a:ext cx="8280920" cy="3474720"/>
         </p:xfrm>
         <a:graphic>
           <a:graphicData uri="http://schemas.openxmlformats.org/drawingml/2006/table">
@@ -14526,17 +16106,19 @@
                         <a:defRPr/>
                       </a:pPr>
                       <a:r>
-                        <a:rPr lang="en-US" sz="1800" b="0" dirty="0" err="1" smtClean="0"/>
+                        <a:rPr lang="en-US" sz="1400" b="0" dirty="0" err="1" smtClean="0">
+                          <a:latin typeface="Courier New" panose="02070309020205020404" pitchFamily="49" charset="0"/>
+                          <a:cs typeface="Courier New" panose="02070309020205020404" pitchFamily="49" charset="0"/>
+                        </a:rPr>
                         <a:t>int</a:t>
                       </a:r>
                       <a:r>
-                        <a:rPr lang="en-US" sz="1800" b="0" dirty="0" smtClean="0"/>
+                        <a:rPr lang="en-US" sz="1400" b="0" dirty="0" smtClean="0">
+                          <a:latin typeface="Courier New" panose="02070309020205020404" pitchFamily="49" charset="0"/>
+                          <a:cs typeface="Courier New" panose="02070309020205020404" pitchFamily="49" charset="0"/>
+                        </a:rPr>
                         <a:t> led = 13;</a:t>
                       </a:r>
-                      <a:endParaRPr lang="en-US" sz="1800" b="0" dirty="0" smtClean="0">
-                        <a:latin typeface="Courier New" panose="02070309020205020404" pitchFamily="49" charset="0"/>
-                        <a:cs typeface="Courier New" panose="02070309020205020404" pitchFamily="49" charset="0"/>
-                      </a:endParaRPr>
                     </a:p>
                   </a:txBody>
                   <a:tcPr/>
@@ -14634,33 +16216,44 @@
                     <a:lstStyle/>
                     <a:p>
                       <a:r>
-                        <a:rPr lang="en-US" sz="1800" dirty="0" smtClean="0"/>
+                        <a:rPr lang="en-US" sz="1400" dirty="0" smtClean="0">
+                          <a:latin typeface="Courier New" panose="02070309020205020404" pitchFamily="49" charset="0"/>
+                          <a:cs typeface="Courier New" panose="02070309020205020404" pitchFamily="49" charset="0"/>
+                        </a:rPr>
                         <a:t>void setup() {                </a:t>
                       </a:r>
                     </a:p>
                     <a:p>
                       <a:r>
-                        <a:rPr lang="en-US" sz="1800" baseline="0" dirty="0" smtClean="0"/>
+                        <a:rPr lang="en-US" sz="1400" baseline="0" dirty="0" smtClean="0">
+                          <a:latin typeface="Courier New" panose="02070309020205020404" pitchFamily="49" charset="0"/>
+                          <a:cs typeface="Courier New" panose="02070309020205020404" pitchFamily="49" charset="0"/>
+                        </a:rPr>
                         <a:t>    </a:t>
                       </a:r>
                       <a:r>
-                        <a:rPr lang="en-US" sz="1800" dirty="0" err="1" smtClean="0"/>
+                        <a:rPr lang="en-US" sz="1400" dirty="0" err="1" smtClean="0">
+                          <a:latin typeface="Courier New" panose="02070309020205020404" pitchFamily="49" charset="0"/>
+                          <a:cs typeface="Courier New" panose="02070309020205020404" pitchFamily="49" charset="0"/>
+                        </a:rPr>
                         <a:t>pinMode</a:t>
                       </a:r>
                       <a:r>
-                        <a:rPr lang="en-US" sz="1800" dirty="0" smtClean="0"/>
+                        <a:rPr lang="en-US" sz="1400" dirty="0" smtClean="0">
+                          <a:latin typeface="Courier New" panose="02070309020205020404" pitchFamily="49" charset="0"/>
+                          <a:cs typeface="Courier New" panose="02070309020205020404" pitchFamily="49" charset="0"/>
+                        </a:rPr>
                         <a:t>(led, OUTPUT);     </a:t>
                       </a:r>
                     </a:p>
                     <a:p>
                       <a:r>
-                        <a:rPr lang="en-US" sz="1800" dirty="0" smtClean="0"/>
+                        <a:rPr lang="en-US" sz="1400" dirty="0" smtClean="0">
+                          <a:latin typeface="Courier New" panose="02070309020205020404" pitchFamily="49" charset="0"/>
+                          <a:cs typeface="Courier New" panose="02070309020205020404" pitchFamily="49" charset="0"/>
+                        </a:rPr>
                         <a:t>}</a:t>
                       </a:r>
-                      <a:endParaRPr lang="en-US" sz="1800" dirty="0" smtClean="0">
-                        <a:latin typeface="Courier New" panose="02070309020205020404" pitchFamily="49" charset="0"/>
-                        <a:cs typeface="Courier New" panose="02070309020205020404" pitchFamily="49" charset="0"/>
-                      </a:endParaRPr>
                     </a:p>
                   </a:txBody>
                   <a:tcPr>
@@ -14743,44 +16336,68 @@
                     <a:lstStyle/>
                     <a:p>
                       <a:r>
-                        <a:rPr lang="en-US" sz="1800" dirty="0" smtClean="0"/>
+                        <a:rPr lang="en-US" sz="1400" dirty="0" smtClean="0">
+                          <a:latin typeface="Courier New" panose="02070309020205020404" pitchFamily="49" charset="0"/>
+                          <a:cs typeface="Courier New" panose="02070309020205020404" pitchFamily="49" charset="0"/>
+                        </a:rPr>
                         <a:t>void loop() {</a:t>
                       </a:r>
                     </a:p>
                     <a:p>
                       <a:r>
-                        <a:rPr lang="en-US" sz="1800" dirty="0" smtClean="0"/>
+                        <a:rPr lang="en-US" sz="1400" dirty="0" smtClean="0">
+                          <a:latin typeface="Courier New" panose="02070309020205020404" pitchFamily="49" charset="0"/>
+                          <a:cs typeface="Courier New" panose="02070309020205020404" pitchFamily="49" charset="0"/>
+                        </a:rPr>
                         <a:t>  </a:t>
                       </a:r>
                       <a:r>
-                        <a:rPr lang="en-US" sz="1800" dirty="0" err="1" smtClean="0"/>
+                        <a:rPr lang="en-US" sz="1400" dirty="0" err="1" smtClean="0">
+                          <a:latin typeface="Courier New" panose="02070309020205020404" pitchFamily="49" charset="0"/>
+                          <a:cs typeface="Courier New" panose="02070309020205020404" pitchFamily="49" charset="0"/>
+                        </a:rPr>
                         <a:t>digitalWrite</a:t>
                       </a:r>
                       <a:r>
-                        <a:rPr lang="en-US" sz="1800" dirty="0" smtClean="0"/>
+                        <a:rPr lang="en-US" sz="1400" dirty="0" smtClean="0">
+                          <a:latin typeface="Courier New" panose="02070309020205020404" pitchFamily="49" charset="0"/>
+                          <a:cs typeface="Courier New" panose="02070309020205020404" pitchFamily="49" charset="0"/>
+                        </a:rPr>
                         <a:t>(led, HIGH); delay(1000); </a:t>
                       </a:r>
                     </a:p>
                     <a:p>
                       <a:r>
-                        <a:rPr lang="en-US" sz="1800" dirty="0" smtClean="0"/>
+                        <a:rPr lang="en-US" sz="1400" dirty="0" smtClean="0">
+                          <a:latin typeface="Courier New" panose="02070309020205020404" pitchFamily="49" charset="0"/>
+                          <a:cs typeface="Courier New" panose="02070309020205020404" pitchFamily="49" charset="0"/>
+                        </a:rPr>
                         <a:t>  </a:t>
                       </a:r>
                       <a:r>
-                        <a:rPr lang="en-US" sz="1800" dirty="0" err="1" smtClean="0"/>
+                        <a:rPr lang="en-US" sz="1400" dirty="0" err="1" smtClean="0">
+                          <a:latin typeface="Courier New" panose="02070309020205020404" pitchFamily="49" charset="0"/>
+                          <a:cs typeface="Courier New" panose="02070309020205020404" pitchFamily="49" charset="0"/>
+                        </a:rPr>
                         <a:t>digitalWrite</a:t>
                       </a:r>
                       <a:r>
-                        <a:rPr lang="en-US" sz="1800" dirty="0" smtClean="0"/>
+                        <a:rPr lang="en-US" sz="1400" dirty="0" smtClean="0">
+                          <a:latin typeface="Courier New" panose="02070309020205020404" pitchFamily="49" charset="0"/>
+                          <a:cs typeface="Courier New" panose="02070309020205020404" pitchFamily="49" charset="0"/>
+                        </a:rPr>
                         <a:t>(led, LOW); delay(1000);</a:t>
                       </a:r>
                     </a:p>
                     <a:p>
                       <a:r>
-                        <a:rPr lang="en-US" sz="1800" dirty="0" smtClean="0"/>
+                        <a:rPr lang="en-US" sz="1400" dirty="0" smtClean="0">
+                          <a:latin typeface="Courier New" panose="02070309020205020404" pitchFamily="49" charset="0"/>
+                          <a:cs typeface="Courier New" panose="02070309020205020404" pitchFamily="49" charset="0"/>
+                        </a:rPr>
                         <a:t>}</a:t>
                       </a:r>
-                      <a:endParaRPr lang="fr-FR" sz="1800" dirty="0" smtClean="0">
+                      <a:endParaRPr lang="fr-FR" sz="1400" dirty="0" smtClean="0">
                         <a:latin typeface="Courier New" panose="02070309020205020404" pitchFamily="49" charset="0"/>
                         <a:cs typeface="Courier New" panose="02070309020205020404" pitchFamily="49" charset="0"/>
                       </a:endParaRPr>
@@ -15458,10 +17075,6 @@
               </a:rPr>
               <a:t>(led, LOW); </a:t>
             </a:r>
-            <a:endParaRPr lang="en-US" dirty="0">
-              <a:latin typeface="Courier New" panose="02070309020205020404" pitchFamily="49" charset="0"/>
-              <a:cs typeface="Courier New" panose="02070309020205020404" pitchFamily="49" charset="0"/>
-            </a:endParaRPr>
           </a:p>
           <a:p>
             <a:pPr fontAlgn="t"/>
